--- a/Presentation/Music Vision - Presentation.pptx
+++ b/Presentation/Music Vision - Presentation.pptx
@@ -16,9 +16,9 @@
     <p:sldId id="426" r:id="rId4"/>
     <p:sldId id="427" r:id="rId5"/>
     <p:sldId id="437" r:id="rId6"/>
-    <p:sldId id="428" r:id="rId7"/>
-    <p:sldId id="430" r:id="rId8"/>
-    <p:sldId id="429" r:id="rId9"/>
+    <p:sldId id="438" r:id="rId7"/>
+    <p:sldId id="439" r:id="rId8"/>
+    <p:sldId id="440" r:id="rId9"/>
     <p:sldId id="433" r:id="rId10"/>
     <p:sldId id="434" r:id="rId11"/>
     <p:sldId id="435" r:id="rId12"/>
@@ -1663,7 +1663,7 @@
           <a:p>
             <a:fld id="{26F029D1-0E51-4CD1-88C4-2A57B9FD20F4}" type="datetime1">
               <a:rPr lang="de-DE" smtClean="0"/>
-              <a:t>23.12.2022</a:t>
+              <a:t>26.12.2022</a:t>
             </a:fld>
             <a:endParaRPr lang="de-DE"/>
           </a:p>
@@ -1977,7 +1977,7 @@
           <a:p>
             <a:fld id="{65D0F3F7-04DB-4AEC-9E69-2E4A08EAFC85}" type="datetime1">
               <a:rPr lang="de-DE" smtClean="0"/>
-              <a:t>23.12.2022</a:t>
+              <a:t>26.12.2022</a:t>
             </a:fld>
             <a:endParaRPr lang="de-DE"/>
           </a:p>
@@ -2261,7 +2261,7 @@
           <a:p>
             <a:fld id="{A3F98BD5-533E-488D-B096-49AD9C23EE3C}" type="datetime1">
               <a:rPr lang="de-DE" smtClean="0"/>
-              <a:t>23.12.2022</a:t>
+              <a:t>26.12.2022</a:t>
             </a:fld>
             <a:endParaRPr lang="de-DE"/>
           </a:p>
@@ -3242,6 +3242,14 @@
 <file path=ppt/slides/slide1.xml><?xml version="1.0" encoding="utf-8"?>
 <p:sld xmlns:a="http://schemas.openxmlformats.org/drawingml/2006/main" xmlns:r="http://schemas.openxmlformats.org/officeDocument/2006/relationships" xmlns:p="http://schemas.openxmlformats.org/presentationml/2006/main">
   <p:cSld>
+    <p:bg>
+      <p:bgPr>
+        <a:solidFill>
+          <a:schemeClr val="bg1"/>
+        </a:solidFill>
+        <a:effectLst/>
+      </p:bgPr>
+    </p:bg>
     <p:spTree>
       <p:nvGrpSpPr>
         <p:cNvPr id="1" name=""/>
@@ -3306,7 +3314,7 @@
           <a:p>
             <a:r>
               <a:rPr lang="en-US" sz="1600" dirty="0"/>
-              <a:t>&lt;Date&gt;</a:t>
+              <a:t>16.01.2023</a:t>
             </a:r>
           </a:p>
           <a:p>
@@ -4653,6 +4661,254 @@
           </a:p>
         </p:txBody>
       </p:sp>
+      <p:pic>
+        <p:nvPicPr>
+          <p:cNvPr id="4" name="Grafik 3" descr="Ein Bild, das Text enthält.&#10;&#10;Automatisch generierte Beschreibung">
+            <a:extLst>
+              <a:ext uri="{FF2B5EF4-FFF2-40B4-BE49-F238E27FC236}">
+                <a16:creationId xmlns:a16="http://schemas.microsoft.com/office/drawing/2014/main" id="{E87F92C7-81CB-8C4F-84D0-A5FFA992E91E}"/>
+              </a:ext>
+            </a:extLst>
+          </p:cNvPr>
+          <p:cNvPicPr>
+            <a:picLocks noChangeAspect="1"/>
+          </p:cNvPicPr>
+          <p:nvPr/>
+        </p:nvPicPr>
+        <p:blipFill>
+          <a:blip r:embed="rId2" cstate="print">
+            <a:extLst>
+              <a:ext uri="{28A0092B-C50C-407E-A947-70E740481C1C}">
+                <a14:useLocalDpi xmlns:a14="http://schemas.microsoft.com/office/drawing/2010/main" val="0"/>
+              </a:ext>
+            </a:extLst>
+          </a:blip>
+          <a:stretch>
+            <a:fillRect/>
+          </a:stretch>
+        </p:blipFill>
+        <p:spPr>
+          <a:xfrm>
+            <a:off x="898713" y="1425331"/>
+            <a:ext cx="7346573" cy="1652979"/>
+          </a:xfrm>
+          <a:prstGeom prst="rect">
+            <a:avLst/>
+          </a:prstGeom>
+        </p:spPr>
+      </p:pic>
+      <p:pic>
+        <p:nvPicPr>
+          <p:cNvPr id="8" name="Grafik 7" descr="Ein Bild, das Text enthält.&#10;&#10;Automatisch generierte Beschreibung">
+            <a:extLst>
+              <a:ext uri="{FF2B5EF4-FFF2-40B4-BE49-F238E27FC236}">
+                <a16:creationId xmlns:a16="http://schemas.microsoft.com/office/drawing/2014/main" id="{15B06627-77B9-D1E5-62E2-031080B7599E}"/>
+              </a:ext>
+            </a:extLst>
+          </p:cNvPr>
+          <p:cNvPicPr>
+            <a:picLocks noChangeAspect="1"/>
+          </p:cNvPicPr>
+          <p:nvPr/>
+        </p:nvPicPr>
+        <p:blipFill>
+          <a:blip r:embed="rId3">
+            <a:extLst>
+              <a:ext uri="{28A0092B-C50C-407E-A947-70E740481C1C}">
+                <a14:useLocalDpi xmlns:a14="http://schemas.microsoft.com/office/drawing/2010/main" val="0"/>
+              </a:ext>
+            </a:extLst>
+          </a:blip>
+          <a:stretch>
+            <a:fillRect/>
+          </a:stretch>
+        </p:blipFill>
+        <p:spPr>
+          <a:xfrm>
+            <a:off x="5107689" y="3683115"/>
+            <a:ext cx="3028679" cy="2116564"/>
+          </a:xfrm>
+          <a:prstGeom prst="rect">
+            <a:avLst/>
+          </a:prstGeom>
+        </p:spPr>
+      </p:pic>
+      <p:pic>
+        <p:nvPicPr>
+          <p:cNvPr id="11" name="Grafik 10" descr="Ein Bild, das Vorhang, Person, Raum, Billardzimmer enthält.&#10;&#10;Automatisch generierte Beschreibung">
+            <a:extLst>
+              <a:ext uri="{FF2B5EF4-FFF2-40B4-BE49-F238E27FC236}">
+                <a16:creationId xmlns:a16="http://schemas.microsoft.com/office/drawing/2014/main" id="{315E75D9-DFA7-B6CF-5187-90C60FA9B687}"/>
+              </a:ext>
+            </a:extLst>
+          </p:cNvPr>
+          <p:cNvPicPr>
+            <a:picLocks noChangeAspect="1"/>
+          </p:cNvPicPr>
+          <p:nvPr/>
+        </p:nvPicPr>
+        <p:blipFill>
+          <a:blip r:embed="rId4" cstate="print">
+            <a:extLst>
+              <a:ext uri="{28A0092B-C50C-407E-A947-70E740481C1C}">
+                <a14:useLocalDpi xmlns:a14="http://schemas.microsoft.com/office/drawing/2010/main" val="0"/>
+              </a:ext>
+            </a:extLst>
+          </a:blip>
+          <a:stretch>
+            <a:fillRect/>
+          </a:stretch>
+        </p:blipFill>
+        <p:spPr>
+          <a:xfrm>
+            <a:off x="1007632" y="3683115"/>
+            <a:ext cx="2959012" cy="2116564"/>
+          </a:xfrm>
+          <a:prstGeom prst="rect">
+            <a:avLst/>
+          </a:prstGeom>
+        </p:spPr>
+      </p:pic>
+      <p:sp>
+        <p:nvSpPr>
+          <p:cNvPr id="13" name="Textfeld 12">
+            <a:extLst>
+              <a:ext uri="{FF2B5EF4-FFF2-40B4-BE49-F238E27FC236}">
+                <a16:creationId xmlns:a16="http://schemas.microsoft.com/office/drawing/2014/main" id="{4F73FAAC-8624-3E51-5C90-A738F611D24A}"/>
+              </a:ext>
+            </a:extLst>
+          </p:cNvPr>
+          <p:cNvSpPr txBox="1"/>
+          <p:nvPr/>
+        </p:nvSpPr>
+        <p:spPr>
+          <a:xfrm>
+            <a:off x="3087146" y="3165269"/>
+            <a:ext cx="2969708" cy="430887"/>
+          </a:xfrm>
+          <a:prstGeom prst="rect">
+            <a:avLst/>
+          </a:prstGeom>
+          <a:noFill/>
+        </p:spPr>
+        <p:txBody>
+          <a:bodyPr wrap="square" rtlCol="0">
+            <a:spAutoFit/>
+          </a:bodyPr>
+          <a:lstStyle/>
+          <a:p>
+            <a:pPr algn="ctr"/>
+            <a:r>
+              <a:rPr lang="en-US" sz="1100" b="1" dirty="0"/>
+              <a:t>Y. Lu, X. Wang, J. Gong, and Y. Liang</a:t>
+            </a:r>
+          </a:p>
+          <a:p>
+            <a:pPr algn="ctr"/>
+            <a:r>
+              <a:rPr lang="en-US" sz="1100" b="1" dirty="0"/>
+              <a:t>(2022)</a:t>
+            </a:r>
+            <a:endParaRPr lang="en-US" sz="1200" b="1" dirty="0"/>
+          </a:p>
+        </p:txBody>
+      </p:sp>
+      <p:sp>
+        <p:nvSpPr>
+          <p:cNvPr id="14" name="Textfeld 13">
+            <a:extLst>
+              <a:ext uri="{FF2B5EF4-FFF2-40B4-BE49-F238E27FC236}">
+                <a16:creationId xmlns:a16="http://schemas.microsoft.com/office/drawing/2014/main" id="{347339F0-7C2C-2625-C486-7A77AAF944AC}"/>
+              </a:ext>
+            </a:extLst>
+          </p:cNvPr>
+          <p:cNvSpPr txBox="1"/>
+          <p:nvPr/>
+        </p:nvSpPr>
+        <p:spPr>
+          <a:xfrm>
+            <a:off x="1172067" y="5827403"/>
+            <a:ext cx="2630142" cy="577081"/>
+          </a:xfrm>
+          <a:prstGeom prst="rect">
+            <a:avLst/>
+          </a:prstGeom>
+          <a:noFill/>
+        </p:spPr>
+        <p:txBody>
+          <a:bodyPr wrap="square" rtlCol="0">
+            <a:spAutoFit/>
+          </a:bodyPr>
+          <a:lstStyle/>
+          <a:p>
+            <a:pPr algn="ctr"/>
+            <a:r>
+              <a:rPr lang="it-IT" sz="1050" b="1" dirty="0"/>
+              <a:t>F. Avanzini, A. Barate, C. Mauro, L. A. Ludovico, and M. Marcella </a:t>
+            </a:r>
+          </a:p>
+          <a:p>
+            <a:pPr algn="ctr"/>
+            <a:r>
+              <a:rPr lang="it-IT" sz="1050" b="1" dirty="0"/>
+              <a:t>(2020)</a:t>
+            </a:r>
+            <a:endParaRPr lang="en-US" sz="1050" b="1" dirty="0"/>
+          </a:p>
+        </p:txBody>
+      </p:sp>
+      <p:sp>
+        <p:nvSpPr>
+          <p:cNvPr id="15" name="Textfeld 14">
+            <a:extLst>
+              <a:ext uri="{FF2B5EF4-FFF2-40B4-BE49-F238E27FC236}">
+                <a16:creationId xmlns:a16="http://schemas.microsoft.com/office/drawing/2014/main" id="{7F22F81A-D44C-A8EA-4F6D-E497A3757F1B}"/>
+              </a:ext>
+            </a:extLst>
+          </p:cNvPr>
+          <p:cNvSpPr txBox="1"/>
+          <p:nvPr/>
+        </p:nvSpPr>
+        <p:spPr>
+          <a:xfrm>
+            <a:off x="5107689" y="5908194"/>
+            <a:ext cx="3019573" cy="415498"/>
+          </a:xfrm>
+          <a:prstGeom prst="rect">
+            <a:avLst/>
+          </a:prstGeom>
+          <a:noFill/>
+        </p:spPr>
+        <p:txBody>
+          <a:bodyPr wrap="square" rtlCol="0">
+            <a:spAutoFit/>
+          </a:bodyPr>
+          <a:lstStyle/>
+          <a:p>
+            <a:pPr algn="ctr"/>
+            <a:r>
+              <a:rPr lang="it-IT" sz="1050" b="1" dirty="0"/>
+              <a:t>S.-Y. Ho, W.-W. Jiang, Y.-M. </a:t>
+            </a:r>
+            <a:r>
+              <a:rPr lang="it-IT" sz="1050" b="1" dirty="0" err="1"/>
+              <a:t>Yu</a:t>
+            </a:r>
+            <a:r>
+              <a:rPr lang="it-IT" sz="1050" b="1" dirty="0"/>
+              <a:t>, and M.-Z. Li</a:t>
+            </a:r>
+          </a:p>
+          <a:p>
+            <a:pPr algn="ctr"/>
+            <a:r>
+              <a:rPr lang="it-IT" sz="1050" b="1" dirty="0"/>
+              <a:t>(2017)</a:t>
+            </a:r>
+            <a:endParaRPr lang="en-US" sz="1050" b="1" dirty="0"/>
+          </a:p>
+        </p:txBody>
+      </p:sp>
     </p:spTree>
     <p:extLst>
       <p:ext uri="{BB962C8B-B14F-4D97-AF65-F5344CB8AC3E}">
@@ -4685,7 +4941,13 @@
       </p:grpSpPr>
       <p:sp>
         <p:nvSpPr>
-          <p:cNvPr id="2" name="Titel 1"/>
+          <p:cNvPr id="2" name="Titel 1">
+            <a:extLst>
+              <a:ext uri="{FF2B5EF4-FFF2-40B4-BE49-F238E27FC236}">
+                <a16:creationId xmlns:a16="http://schemas.microsoft.com/office/drawing/2014/main" id="{105CFD01-695C-D565-6EE4-BD34FED5C51C}"/>
+              </a:ext>
+            </a:extLst>
+          </p:cNvPr>
           <p:cNvSpPr>
             <a:spLocks noGrp="1"/>
           </p:cNvSpPr>
@@ -4698,32 +4960,23 @@
           <a:bodyPr/>
           <a:lstStyle/>
           <a:p>
-            <a:r>
-              <a:rPr lang="de-DE" dirty="0"/>
-              <a:t>Goals </a:t>
-            </a:r>
-            <a:r>
-              <a:rPr lang="de-DE" dirty="0" err="1"/>
-              <a:t>of</a:t>
-            </a:r>
-            <a:r>
-              <a:rPr lang="de-DE" dirty="0"/>
-              <a:t> </a:t>
-            </a:r>
-            <a:r>
-              <a:rPr lang="de-DE" dirty="0" err="1"/>
-              <a:t>this</a:t>
-            </a:r>
-            <a:r>
-              <a:rPr lang="de-DE" dirty="0"/>
-              <a:t> Thesis</a:t>
-            </a:r>
-          </a:p>
-        </p:txBody>
-      </p:sp>
-      <p:sp>
-        <p:nvSpPr>
-          <p:cNvPr id="3" name="Inhaltsplatzhalter 2"/>
+            <a:pPr algn="ctr"/>
+            <a:r>
+              <a:rPr lang="en-US" dirty="0"/>
+              <a:t>Related Work: AR + Pedagogy</a:t>
+            </a:r>
+          </a:p>
+        </p:txBody>
+      </p:sp>
+      <p:sp>
+        <p:nvSpPr>
+          <p:cNvPr id="3" name="Inhaltsplatzhalter 2">
+            <a:extLst>
+              <a:ext uri="{FF2B5EF4-FFF2-40B4-BE49-F238E27FC236}">
+                <a16:creationId xmlns:a16="http://schemas.microsoft.com/office/drawing/2014/main" id="{FCEAAE9C-3461-471A-EAD0-8903ED728A3A}"/>
+              </a:ext>
+            </a:extLst>
+          </p:cNvPr>
           <p:cNvSpPr>
             <a:spLocks noGrp="1"/>
           </p:cNvSpPr>
@@ -4736,32 +4989,137 @@
           <a:bodyPr/>
           <a:lstStyle/>
           <a:p>
-            <a:r>
-              <a:rPr lang="de-DE" dirty="0"/>
-              <a:t>… </a:t>
-            </a:r>
-            <a:r>
-              <a:rPr lang="de-DE" dirty="0" err="1"/>
-              <a:t>short</a:t>
-            </a:r>
-            <a:r>
-              <a:rPr lang="de-DE" dirty="0"/>
-              <a:t> </a:t>
-            </a:r>
-            <a:r>
-              <a:rPr lang="de-DE" dirty="0" err="1"/>
-              <a:t>summary</a:t>
-            </a:r>
-            <a:r>
-              <a:rPr lang="de-DE" dirty="0"/>
-              <a:t>!</a:t>
-            </a:r>
-          </a:p>
-        </p:txBody>
-      </p:sp>
-      <p:sp>
-        <p:nvSpPr>
-          <p:cNvPr id="5" name="Foliennummernplatzhalter 4"/>
+            <a:pPr marL="0" indent="0">
+              <a:buNone/>
+            </a:pPr>
+            <a:r>
+              <a:rPr lang="en-US" b="1" dirty="0"/>
+              <a:t>General Advantages:</a:t>
+            </a:r>
+          </a:p>
+          <a:p>
+            <a:r>
+              <a:rPr lang="en-US" sz="2000" dirty="0"/>
+              <a:t>Can improve </a:t>
+            </a:r>
+            <a:r>
+              <a:rPr lang="en-US" sz="2000" i="1" dirty="0">
+                <a:solidFill>
+                  <a:srgbClr val="0070C0"/>
+                </a:solidFill>
+              </a:rPr>
+              <a:t>content understanding </a:t>
+            </a:r>
+            <a:r>
+              <a:rPr lang="en-US" sz="2000" dirty="0"/>
+              <a:t>if implemented correctly</a:t>
+            </a:r>
+          </a:p>
+          <a:p>
+            <a:r>
+              <a:rPr lang="en-US" sz="2000" dirty="0"/>
+              <a:t>Early studies show higher </a:t>
+            </a:r>
+            <a:r>
+              <a:rPr lang="en-US" sz="2000" i="1" dirty="0">
+                <a:solidFill>
+                  <a:srgbClr val="0070C0"/>
+                </a:solidFill>
+              </a:rPr>
+              <a:t>knowledge retention</a:t>
+            </a:r>
+            <a:endParaRPr lang="en-US" sz="2000" dirty="0">
+              <a:solidFill>
+                <a:srgbClr val="0070C0"/>
+              </a:solidFill>
+            </a:endParaRPr>
+          </a:p>
+          <a:p>
+            <a:r>
+              <a:rPr lang="en-US" sz="2000" dirty="0"/>
+              <a:t>Users commonly score </a:t>
+            </a:r>
+            <a:r>
+              <a:rPr lang="en-US" sz="2000" i="1" dirty="0">
+                <a:solidFill>
+                  <a:srgbClr val="0070C0"/>
+                </a:solidFill>
+              </a:rPr>
+              <a:t>motivation/enjoyment</a:t>
+            </a:r>
+            <a:r>
+              <a:rPr lang="en-US" sz="2000" dirty="0"/>
+              <a:t> highly</a:t>
+            </a:r>
+          </a:p>
+          <a:p>
+            <a:endParaRPr lang="en-US" sz="2000" dirty="0"/>
+          </a:p>
+          <a:p>
+            <a:endParaRPr lang="en-US" sz="2000" dirty="0"/>
+          </a:p>
+          <a:p>
+            <a:pPr marL="0" indent="0">
+              <a:buNone/>
+            </a:pPr>
+            <a:r>
+              <a:rPr lang="en-US" sz="2000" b="1" dirty="0"/>
+              <a:t>Affordances of AR (Santos et al; 2014):</a:t>
+            </a:r>
+          </a:p>
+          <a:p>
+            <a:r>
+              <a:rPr lang="en-US" sz="2000" i="1" dirty="0">
+                <a:solidFill>
+                  <a:srgbClr val="0070C0"/>
+                </a:solidFill>
+              </a:rPr>
+              <a:t>Real world annotation: </a:t>
+            </a:r>
+            <a:r>
+              <a:rPr lang="en-US" sz="2000" dirty="0"/>
+              <a:t>info boxes</a:t>
+            </a:r>
+          </a:p>
+          <a:p>
+            <a:r>
+              <a:rPr lang="en-US" sz="2000" i="1" dirty="0">
+                <a:solidFill>
+                  <a:srgbClr val="0070C0"/>
+                </a:solidFill>
+              </a:rPr>
+              <a:t>Context visualization: </a:t>
+            </a:r>
+            <a:r>
+              <a:rPr lang="en-US" sz="2000" dirty="0"/>
+              <a:t>familiar and/or real-world context</a:t>
+            </a:r>
+          </a:p>
+          <a:p>
+            <a:r>
+              <a:rPr lang="en-US" sz="2000" i="1" dirty="0">
+                <a:solidFill>
+                  <a:srgbClr val="0070C0"/>
+                </a:solidFill>
+              </a:rPr>
+              <a:t>Vison-haptic visualization: </a:t>
+            </a:r>
+            <a:r>
+              <a:rPr lang="en-US" sz="2000" dirty="0"/>
+              <a:t>touching things or getting the body involved (embodiment)</a:t>
+            </a:r>
+          </a:p>
+        </p:txBody>
+      </p:sp>
+      <p:sp>
+        <p:nvSpPr>
+          <p:cNvPr id="5" name="Foliennummernplatzhalter 4">
+            <a:extLst>
+              <a:ext uri="{FF2B5EF4-FFF2-40B4-BE49-F238E27FC236}">
+                <a16:creationId xmlns:a16="http://schemas.microsoft.com/office/drawing/2014/main" id="{E0BB01CA-D68C-E83E-A61C-FDF5B19752B6}"/>
+              </a:ext>
+            </a:extLst>
+          </p:cNvPr>
           <p:cNvSpPr>
             <a:spLocks noGrp="1"/>
           </p:cNvSpPr>
@@ -4788,7 +5146,7 @@
           <p:cNvPr id="6" name="Fußzeilenplatzhalter 3">
             <a:extLst>
               <a:ext uri="{FF2B5EF4-FFF2-40B4-BE49-F238E27FC236}">
-                <a16:creationId xmlns:a16="http://schemas.microsoft.com/office/drawing/2014/main" id="{19B34E3C-25B8-2AE5-B7CA-BA384A91DC14}"/>
+                <a16:creationId xmlns:a16="http://schemas.microsoft.com/office/drawing/2014/main" id="{3DBC97A1-8236-C695-1524-3A174666A158}"/>
               </a:ext>
             </a:extLst>
           </p:cNvPr>
@@ -4825,7 +5183,7 @@
     </p:spTree>
     <p:extLst>
       <p:ext uri="{BB962C8B-B14F-4D97-AF65-F5344CB8AC3E}">
-        <p14:creationId xmlns:p14="http://schemas.microsoft.com/office/powerpoint/2010/main" val="3868456801"/>
+        <p14:creationId xmlns:p14="http://schemas.microsoft.com/office/powerpoint/2010/main" val="593787340"/>
       </p:ext>
     </p:extLst>
   </p:cSld>
@@ -4854,7 +5212,13 @@
       </p:grpSpPr>
       <p:sp>
         <p:nvSpPr>
-          <p:cNvPr id="2" name="Titel 1"/>
+          <p:cNvPr id="2" name="Titel 1">
+            <a:extLst>
+              <a:ext uri="{FF2B5EF4-FFF2-40B4-BE49-F238E27FC236}">
+                <a16:creationId xmlns:a16="http://schemas.microsoft.com/office/drawing/2014/main" id="{105CFD01-695C-D565-6EE4-BD34FED5C51C}"/>
+              </a:ext>
+            </a:extLst>
+          </p:cNvPr>
           <p:cNvSpPr>
             <a:spLocks noGrp="1"/>
           </p:cNvSpPr>
@@ -4867,21 +5231,23 @@
           <a:bodyPr/>
           <a:lstStyle/>
           <a:p>
-            <a:r>
-              <a:rPr lang="de-DE" dirty="0"/>
-              <a:t>Critical Research </a:t>
-            </a:r>
-            <a:r>
-              <a:rPr lang="de-DE" dirty="0" err="1"/>
-              <a:t>Issues</a:t>
-            </a:r>
-            <a:endParaRPr lang="de-DE" dirty="0"/>
-          </a:p>
-        </p:txBody>
-      </p:sp>
-      <p:sp>
-        <p:nvSpPr>
-          <p:cNvPr id="3" name="Inhaltsplatzhalter 2"/>
+            <a:pPr algn="ctr"/>
+            <a:r>
+              <a:rPr lang="en-US" dirty="0"/>
+              <a:t>Related Work: AR + Pedagogy</a:t>
+            </a:r>
+          </a:p>
+        </p:txBody>
+      </p:sp>
+      <p:sp>
+        <p:nvSpPr>
+          <p:cNvPr id="3" name="Inhaltsplatzhalter 2">
+            <a:extLst>
+              <a:ext uri="{FF2B5EF4-FFF2-40B4-BE49-F238E27FC236}">
+                <a16:creationId xmlns:a16="http://schemas.microsoft.com/office/drawing/2014/main" id="{FCEAAE9C-3461-471A-EAD0-8903ED728A3A}"/>
+              </a:ext>
+            </a:extLst>
+          </p:cNvPr>
           <p:cNvSpPr>
             <a:spLocks noGrp="1"/>
           </p:cNvSpPr>
@@ -4894,32 +5260,67 @@
           <a:bodyPr/>
           <a:lstStyle/>
           <a:p>
-            <a:r>
-              <a:rPr lang="de-DE" dirty="0"/>
-              <a:t>… </a:t>
-            </a:r>
-            <a:r>
-              <a:rPr lang="de-DE" dirty="0" err="1"/>
-              <a:t>short</a:t>
-            </a:r>
-            <a:r>
-              <a:rPr lang="de-DE" dirty="0"/>
-              <a:t> </a:t>
-            </a:r>
-            <a:r>
-              <a:rPr lang="de-DE" dirty="0" err="1"/>
-              <a:t>summary</a:t>
-            </a:r>
-            <a:r>
-              <a:rPr lang="de-DE" dirty="0"/>
-              <a:t>!</a:t>
-            </a:r>
-          </a:p>
-        </p:txBody>
-      </p:sp>
-      <p:sp>
-        <p:nvSpPr>
-          <p:cNvPr id="5" name="Foliennummernplatzhalter 4"/>
+            <a:pPr marL="0" indent="0">
+              <a:buNone/>
+            </a:pPr>
+            <a:r>
+              <a:rPr lang="en-US" b="1" dirty="0"/>
+              <a:t>AR Design Guidelines (Dunleavy, 2014):</a:t>
+            </a:r>
+          </a:p>
+          <a:p>
+            <a:r>
+              <a:rPr lang="en-US" sz="2000" i="1" dirty="0">
+                <a:solidFill>
+                  <a:srgbClr val="0070C0"/>
+                </a:solidFill>
+              </a:rPr>
+              <a:t>Enable and then challenge:</a:t>
+            </a:r>
+            <a:r>
+              <a:rPr lang="en-US" sz="2000" dirty="0"/>
+              <a:t> avoid cognitive overload</a:t>
+            </a:r>
+          </a:p>
+          <a:p>
+            <a:r>
+              <a:rPr lang="en-US" sz="2000" i="1" dirty="0">
+                <a:solidFill>
+                  <a:srgbClr val="0070C0"/>
+                </a:solidFill>
+              </a:rPr>
+              <a:t>Drive by gamified story: </a:t>
+            </a:r>
+            <a:r>
+              <a:rPr lang="en-US" sz="2000" dirty="0"/>
+              <a:t>narrative story and usage of unique features (e.g. location)</a:t>
+            </a:r>
+          </a:p>
+          <a:p>
+            <a:r>
+              <a:rPr lang="en-US" sz="2000" i="1" dirty="0">
+                <a:solidFill>
+                  <a:srgbClr val="0070C0"/>
+                </a:solidFill>
+              </a:rPr>
+              <a:t>See the unseen: </a:t>
+            </a:r>
+            <a:r>
+              <a:rPr lang="en-US" sz="2000" dirty="0"/>
+              <a:t>visualized concepts and invisible things (e.g. displaying organs over a human body model)</a:t>
+            </a:r>
+          </a:p>
+        </p:txBody>
+      </p:sp>
+      <p:sp>
+        <p:nvSpPr>
+          <p:cNvPr id="5" name="Foliennummernplatzhalter 4">
+            <a:extLst>
+              <a:ext uri="{FF2B5EF4-FFF2-40B4-BE49-F238E27FC236}">
+                <a16:creationId xmlns:a16="http://schemas.microsoft.com/office/drawing/2014/main" id="{E0BB01CA-D68C-E83E-A61C-FDF5B19752B6}"/>
+              </a:ext>
+            </a:extLst>
+          </p:cNvPr>
           <p:cNvSpPr>
             <a:spLocks noGrp="1"/>
           </p:cNvSpPr>
@@ -4946,7 +5347,7 @@
           <p:cNvPr id="6" name="Fußzeilenplatzhalter 3">
             <a:extLst>
               <a:ext uri="{FF2B5EF4-FFF2-40B4-BE49-F238E27FC236}">
-                <a16:creationId xmlns:a16="http://schemas.microsoft.com/office/drawing/2014/main" id="{90F715C2-EC49-65F2-A352-0ADCE101E512}"/>
+                <a16:creationId xmlns:a16="http://schemas.microsoft.com/office/drawing/2014/main" id="{3DBC97A1-8236-C695-1524-3A174666A158}"/>
               </a:ext>
             </a:extLst>
           </p:cNvPr>
@@ -4983,7 +5384,7 @@
     </p:spTree>
     <p:extLst>
       <p:ext uri="{BB962C8B-B14F-4D97-AF65-F5344CB8AC3E}">
-        <p14:creationId xmlns:p14="http://schemas.microsoft.com/office/powerpoint/2010/main" val="1769579393"/>
+        <p14:creationId xmlns:p14="http://schemas.microsoft.com/office/powerpoint/2010/main" val="1588911388"/>
       </p:ext>
     </p:extLst>
   </p:cSld>
@@ -5012,7 +5413,13 @@
       </p:grpSpPr>
       <p:sp>
         <p:nvSpPr>
-          <p:cNvPr id="2" name="Titel 1"/>
+          <p:cNvPr id="2" name="Titel 1">
+            <a:extLst>
+              <a:ext uri="{FF2B5EF4-FFF2-40B4-BE49-F238E27FC236}">
+                <a16:creationId xmlns:a16="http://schemas.microsoft.com/office/drawing/2014/main" id="{105CFD01-695C-D565-6EE4-BD34FED5C51C}"/>
+              </a:ext>
+            </a:extLst>
+          </p:cNvPr>
           <p:cNvSpPr>
             <a:spLocks noGrp="1"/>
           </p:cNvSpPr>
@@ -5025,20 +5432,23 @@
           <a:bodyPr/>
           <a:lstStyle/>
           <a:p>
-            <a:r>
-              <a:rPr lang="de-DE" dirty="0" err="1"/>
-              <a:t>Proposed</a:t>
-            </a:r>
-            <a:r>
-              <a:rPr lang="de-DE" dirty="0"/>
-              <a:t> Work / Approach</a:t>
-            </a:r>
-          </a:p>
-        </p:txBody>
-      </p:sp>
-      <p:sp>
-        <p:nvSpPr>
-          <p:cNvPr id="3" name="Inhaltsplatzhalter 2"/>
+            <a:pPr algn="ctr"/>
+            <a:r>
+              <a:rPr lang="en-US" dirty="0"/>
+              <a:t>Related Work: Music Theory + Pedagogy</a:t>
+            </a:r>
+          </a:p>
+        </p:txBody>
+      </p:sp>
+      <p:sp>
+        <p:nvSpPr>
+          <p:cNvPr id="3" name="Inhaltsplatzhalter 2">
+            <a:extLst>
+              <a:ext uri="{FF2B5EF4-FFF2-40B4-BE49-F238E27FC236}">
+                <a16:creationId xmlns:a16="http://schemas.microsoft.com/office/drawing/2014/main" id="{FCEAAE9C-3461-471A-EAD0-8903ED728A3A}"/>
+              </a:ext>
+            </a:extLst>
+          </p:cNvPr>
           <p:cNvSpPr>
             <a:spLocks noGrp="1"/>
           </p:cNvSpPr>
@@ -5051,32 +5461,49 @@
           <a:bodyPr/>
           <a:lstStyle/>
           <a:p>
-            <a:r>
-              <a:rPr lang="de-DE" dirty="0"/>
-              <a:t>… </a:t>
-            </a:r>
-            <a:r>
-              <a:rPr lang="de-DE" dirty="0" err="1"/>
-              <a:t>short</a:t>
-            </a:r>
-            <a:r>
-              <a:rPr lang="de-DE" dirty="0"/>
-              <a:t> </a:t>
-            </a:r>
-            <a:r>
-              <a:rPr lang="de-DE" dirty="0" err="1"/>
-              <a:t>summary</a:t>
-            </a:r>
-            <a:r>
-              <a:rPr lang="de-DE" dirty="0"/>
-              <a:t>!</a:t>
-            </a:r>
-          </a:p>
-        </p:txBody>
-      </p:sp>
-      <p:sp>
-        <p:nvSpPr>
-          <p:cNvPr id="5" name="Foliennummernplatzhalter 4"/>
+            <a:pPr marL="0" indent="0">
+              <a:buNone/>
+            </a:pPr>
+            <a:r>
+              <a:rPr lang="en-US" b="1" dirty="0"/>
+              <a:t> College level classroom case study (Callahan, 2015):</a:t>
+            </a:r>
+          </a:p>
+          <a:p>
+            <a:r>
+              <a:rPr lang="en-US" sz="2000" dirty="0"/>
+              <a:t>Fill in the blank questions</a:t>
+            </a:r>
+          </a:p>
+          <a:p>
+            <a:r>
+              <a:rPr lang="en-US" sz="2000" dirty="0"/>
+              <a:t>Keyboard helpful for visualization</a:t>
+            </a:r>
+          </a:p>
+          <a:p>
+            <a:r>
+              <a:rPr lang="en-US" sz="2000" dirty="0"/>
+              <a:t>Hearing is very helpful</a:t>
+            </a:r>
+          </a:p>
+          <a:p>
+            <a:r>
+              <a:rPr lang="en-US" sz="2000" dirty="0"/>
+              <a:t>Improved motivation</a:t>
+            </a:r>
+          </a:p>
+        </p:txBody>
+      </p:sp>
+      <p:sp>
+        <p:nvSpPr>
+          <p:cNvPr id="5" name="Foliennummernplatzhalter 4">
+            <a:extLst>
+              <a:ext uri="{FF2B5EF4-FFF2-40B4-BE49-F238E27FC236}">
+                <a16:creationId xmlns:a16="http://schemas.microsoft.com/office/drawing/2014/main" id="{E0BB01CA-D68C-E83E-A61C-FDF5B19752B6}"/>
+              </a:ext>
+            </a:extLst>
+          </p:cNvPr>
           <p:cNvSpPr>
             <a:spLocks noGrp="1"/>
           </p:cNvSpPr>
@@ -5103,7 +5530,7 @@
           <p:cNvPr id="6" name="Fußzeilenplatzhalter 3">
             <a:extLst>
               <a:ext uri="{FF2B5EF4-FFF2-40B4-BE49-F238E27FC236}">
-                <a16:creationId xmlns:a16="http://schemas.microsoft.com/office/drawing/2014/main" id="{F672112F-513F-01C9-BFB4-8BF38415F96C}"/>
+                <a16:creationId xmlns:a16="http://schemas.microsoft.com/office/drawing/2014/main" id="{3DBC97A1-8236-C695-1524-3A174666A158}"/>
               </a:ext>
             </a:extLst>
           </p:cNvPr>
@@ -5140,7 +5567,7 @@
     </p:spTree>
     <p:extLst>
       <p:ext uri="{BB962C8B-B14F-4D97-AF65-F5344CB8AC3E}">
-        <p14:creationId xmlns:p14="http://schemas.microsoft.com/office/powerpoint/2010/main" val="1236471153"/>
+        <p14:creationId xmlns:p14="http://schemas.microsoft.com/office/powerpoint/2010/main" val="2876411558"/>
       </p:ext>
     </p:extLst>
   </p:cSld>

--- a/Presentation/Music Vision - Presentation.pptx
+++ b/Presentation/Music Vision - Presentation.pptx
@@ -5,10 +5,10 @@
     <p:sldMasterId id="2147483648" r:id="rId1"/>
   </p:sldMasterIdLst>
   <p:notesMasterIdLst>
-    <p:notesMasterId r:id="rId15"/>
+    <p:notesMasterId r:id="rId19"/>
   </p:notesMasterIdLst>
   <p:handoutMasterIdLst>
-    <p:handoutMasterId r:id="rId16"/>
+    <p:handoutMasterId r:id="rId20"/>
   </p:handoutMasterIdLst>
   <p:sldIdLst>
     <p:sldId id="258" r:id="rId2"/>
@@ -19,11 +19,15 @@
     <p:sldId id="438" r:id="rId7"/>
     <p:sldId id="439" r:id="rId8"/>
     <p:sldId id="440" r:id="rId9"/>
-    <p:sldId id="433" r:id="rId10"/>
-    <p:sldId id="434" r:id="rId11"/>
-    <p:sldId id="435" r:id="rId12"/>
-    <p:sldId id="436" r:id="rId13"/>
-    <p:sldId id="432" r:id="rId14"/>
+    <p:sldId id="441" r:id="rId10"/>
+    <p:sldId id="442" r:id="rId11"/>
+    <p:sldId id="443" r:id="rId12"/>
+    <p:sldId id="433" r:id="rId13"/>
+    <p:sldId id="434" r:id="rId14"/>
+    <p:sldId id="444" r:id="rId15"/>
+    <p:sldId id="435" r:id="rId16"/>
+    <p:sldId id="436" r:id="rId17"/>
+    <p:sldId id="432" r:id="rId18"/>
   </p:sldIdLst>
   <p:sldSz cx="9144000" cy="6858000" type="screen4x3"/>
   <p:notesSz cx="6858000" cy="9144000"/>
@@ -1663,7 +1667,7 @@
           <a:p>
             <a:fld id="{26F029D1-0E51-4CD1-88C4-2A57B9FD20F4}" type="datetime1">
               <a:rPr lang="de-DE" smtClean="0"/>
-              <a:t>26.12.2022</a:t>
+              <a:t>27.12.2022</a:t>
             </a:fld>
             <a:endParaRPr lang="de-DE"/>
           </a:p>
@@ -1977,7 +1981,7 @@
           <a:p>
             <a:fld id="{65D0F3F7-04DB-4AEC-9E69-2E4A08EAFC85}" type="datetime1">
               <a:rPr lang="de-DE" smtClean="0"/>
-              <a:t>26.12.2022</a:t>
+              <a:t>27.12.2022</a:t>
             </a:fld>
             <a:endParaRPr lang="de-DE"/>
           </a:p>
@@ -2261,7 +2265,7 @@
           <a:p>
             <a:fld id="{A3F98BD5-533E-488D-B096-49AD9C23EE3C}" type="datetime1">
               <a:rPr lang="de-DE" smtClean="0"/>
-              <a:t>26.12.2022</a:t>
+              <a:t>27.12.2022</a:t>
             </a:fld>
             <a:endParaRPr lang="de-DE"/>
           </a:p>
@@ -3387,7 +3391,13 @@
       </p:grpSpPr>
       <p:sp>
         <p:nvSpPr>
-          <p:cNvPr id="2" name="Titel 1"/>
+          <p:cNvPr id="2" name="Titel 1">
+            <a:extLst>
+              <a:ext uri="{FF2B5EF4-FFF2-40B4-BE49-F238E27FC236}">
+                <a16:creationId xmlns:a16="http://schemas.microsoft.com/office/drawing/2014/main" id="{105CFD01-695C-D565-6EE4-BD34FED5C51C}"/>
+              </a:ext>
+            </a:extLst>
+          </p:cNvPr>
           <p:cNvSpPr>
             <a:spLocks noGrp="1"/>
           </p:cNvSpPr>
@@ -3400,16 +3410,23 @@
           <a:bodyPr/>
           <a:lstStyle/>
           <a:p>
-            <a:r>
-              <a:rPr lang="de-DE" dirty="0"/>
-              <a:t>Evaluation (User Studies, Test Runs)</a:t>
-            </a:r>
-          </a:p>
-        </p:txBody>
-      </p:sp>
-      <p:sp>
-        <p:nvSpPr>
-          <p:cNvPr id="3" name="Inhaltsplatzhalter 2"/>
+            <a:pPr algn="ctr"/>
+            <a:r>
+              <a:rPr lang="en-US" dirty="0"/>
+              <a:t>Software Design</a:t>
+            </a:r>
+          </a:p>
+        </p:txBody>
+      </p:sp>
+      <p:sp>
+        <p:nvSpPr>
+          <p:cNvPr id="3" name="Inhaltsplatzhalter 2">
+            <a:extLst>
+              <a:ext uri="{FF2B5EF4-FFF2-40B4-BE49-F238E27FC236}">
+                <a16:creationId xmlns:a16="http://schemas.microsoft.com/office/drawing/2014/main" id="{FCEAAE9C-3461-471A-EAD0-8903ED728A3A}"/>
+              </a:ext>
+            </a:extLst>
+          </p:cNvPr>
           <p:cNvSpPr>
             <a:spLocks noGrp="1"/>
           </p:cNvSpPr>
@@ -3422,13 +3439,67 @@
           <a:bodyPr/>
           <a:lstStyle/>
           <a:p>
-            <a:endParaRPr lang="de-DE"/>
-          </a:p>
-        </p:txBody>
-      </p:sp>
-      <p:sp>
-        <p:nvSpPr>
-          <p:cNvPr id="5" name="Foliennummernplatzhalter 4"/>
+            <a:pPr marL="0" indent="0">
+              <a:buNone/>
+            </a:pPr>
+            <a:r>
+              <a:rPr lang="en-US" b="1" dirty="0"/>
+              <a:t>Integrating AR Design Guidelines:</a:t>
+            </a:r>
+          </a:p>
+          <a:p>
+            <a:r>
+              <a:rPr lang="en-US" sz="2000" i="1" dirty="0">
+                <a:solidFill>
+                  <a:srgbClr val="0070C0"/>
+                </a:solidFill>
+              </a:rPr>
+              <a:t>Enable and then challenge:</a:t>
+            </a:r>
+            <a:r>
+              <a:rPr lang="en-US" sz="2000" dirty="0"/>
+              <a:t> use text-to-speech to avoid visual overload</a:t>
+            </a:r>
+          </a:p>
+          <a:p>
+            <a:r>
+              <a:rPr lang="en-US" sz="2000" i="1" dirty="0">
+                <a:solidFill>
+                  <a:srgbClr val="0070C0"/>
+                </a:solidFill>
+              </a:rPr>
+              <a:t>Drive by gamified story: </a:t>
+            </a:r>
+            <a:r>
+              <a:rPr lang="en-US" sz="2000" dirty="0"/>
+              <a:t>not feasible/focus</a:t>
+            </a:r>
+          </a:p>
+          <a:p>
+            <a:r>
+              <a:rPr lang="en-US" sz="2000" i="1" dirty="0">
+                <a:solidFill>
+                  <a:srgbClr val="0070C0"/>
+                </a:solidFill>
+              </a:rPr>
+              <a:t>See the unseen: </a:t>
+            </a:r>
+            <a:r>
+              <a:rPr lang="en-US" sz="2000" dirty="0"/>
+              <a:t>emphasize relationship between keyboard and sheet music through synchronous changes</a:t>
+            </a:r>
+          </a:p>
+        </p:txBody>
+      </p:sp>
+      <p:sp>
+        <p:nvSpPr>
+          <p:cNvPr id="5" name="Foliennummernplatzhalter 4">
+            <a:extLst>
+              <a:ext uri="{FF2B5EF4-FFF2-40B4-BE49-F238E27FC236}">
+                <a16:creationId xmlns:a16="http://schemas.microsoft.com/office/drawing/2014/main" id="{E0BB01CA-D68C-E83E-A61C-FDF5B19752B6}"/>
+              </a:ext>
+            </a:extLst>
+          </p:cNvPr>
           <p:cNvSpPr>
             <a:spLocks noGrp="1"/>
           </p:cNvSpPr>
@@ -3455,7 +3526,7 @@
           <p:cNvPr id="6" name="Fußzeilenplatzhalter 3">
             <a:extLst>
               <a:ext uri="{FF2B5EF4-FFF2-40B4-BE49-F238E27FC236}">
-                <a16:creationId xmlns:a16="http://schemas.microsoft.com/office/drawing/2014/main" id="{C10D46F6-4B5F-99EC-A295-CBFE82185646}"/>
+                <a16:creationId xmlns:a16="http://schemas.microsoft.com/office/drawing/2014/main" id="{3DBC97A1-8236-C695-1524-3A174666A158}"/>
               </a:ext>
             </a:extLst>
           </p:cNvPr>
@@ -3492,7 +3563,7 @@
     </p:spTree>
     <p:extLst>
       <p:ext uri="{BB962C8B-B14F-4D97-AF65-F5344CB8AC3E}">
-        <p14:creationId xmlns:p14="http://schemas.microsoft.com/office/powerpoint/2010/main" val="4242214151"/>
+        <p14:creationId xmlns:p14="http://schemas.microsoft.com/office/powerpoint/2010/main" val="1880154005"/>
       </p:ext>
     </p:extLst>
   </p:cSld>
@@ -3521,7 +3592,13 @@
       </p:grpSpPr>
       <p:sp>
         <p:nvSpPr>
-          <p:cNvPr id="2" name="Titel 1"/>
+          <p:cNvPr id="2" name="Titel 1">
+            <a:extLst>
+              <a:ext uri="{FF2B5EF4-FFF2-40B4-BE49-F238E27FC236}">
+                <a16:creationId xmlns:a16="http://schemas.microsoft.com/office/drawing/2014/main" id="{105CFD01-695C-D565-6EE4-BD34FED5C51C}"/>
+              </a:ext>
+            </a:extLst>
+          </p:cNvPr>
           <p:cNvSpPr>
             <a:spLocks noGrp="1"/>
           </p:cNvSpPr>
@@ -3534,47 +3611,23 @@
           <a:bodyPr/>
           <a:lstStyle/>
           <a:p>
-            <a:r>
-              <a:rPr lang="de-DE" dirty="0" err="1"/>
-              <a:t>Discussion</a:t>
-            </a:r>
-            <a:r>
-              <a:rPr lang="de-DE" dirty="0"/>
-              <a:t> / </a:t>
-            </a:r>
-            <a:r>
-              <a:rPr lang="de-DE" dirty="0" err="1"/>
-              <a:t>Suggested</a:t>
-            </a:r>
-            <a:r>
-              <a:rPr lang="de-DE" dirty="0"/>
-              <a:t> Future Work</a:t>
-            </a:r>
-          </a:p>
-        </p:txBody>
-      </p:sp>
-      <p:sp>
-        <p:nvSpPr>
-          <p:cNvPr id="3" name="Inhaltsplatzhalter 2"/>
-          <p:cNvSpPr>
-            <a:spLocks noGrp="1"/>
-          </p:cNvSpPr>
-          <p:nvPr>
-            <p:ph idx="1"/>
-          </p:nvPr>
-        </p:nvSpPr>
-        <p:spPr/>
-        <p:txBody>
-          <a:bodyPr/>
-          <a:lstStyle/>
-          <a:p>
-            <a:endParaRPr lang="de-DE"/>
-          </a:p>
-        </p:txBody>
-      </p:sp>
-      <p:sp>
-        <p:nvSpPr>
-          <p:cNvPr id="5" name="Foliennummernplatzhalter 4"/>
+            <a:pPr algn="ctr"/>
+            <a:r>
+              <a:rPr lang="en-US" dirty="0"/>
+              <a:t>Software Design</a:t>
+            </a:r>
+          </a:p>
+        </p:txBody>
+      </p:sp>
+      <p:sp>
+        <p:nvSpPr>
+          <p:cNvPr id="5" name="Foliennummernplatzhalter 4">
+            <a:extLst>
+              <a:ext uri="{FF2B5EF4-FFF2-40B4-BE49-F238E27FC236}">
+                <a16:creationId xmlns:a16="http://schemas.microsoft.com/office/drawing/2014/main" id="{E0BB01CA-D68C-E83E-A61C-FDF5B19752B6}"/>
+              </a:ext>
+            </a:extLst>
+          </p:cNvPr>
           <p:cNvSpPr>
             <a:spLocks noGrp="1"/>
           </p:cNvSpPr>
@@ -3601,7 +3654,7 @@
           <p:cNvPr id="6" name="Fußzeilenplatzhalter 3">
             <a:extLst>
               <a:ext uri="{FF2B5EF4-FFF2-40B4-BE49-F238E27FC236}">
-                <a16:creationId xmlns:a16="http://schemas.microsoft.com/office/drawing/2014/main" id="{8703FABD-EF19-A2AC-F0F0-CC0EEDD3B54B}"/>
+                <a16:creationId xmlns:a16="http://schemas.microsoft.com/office/drawing/2014/main" id="{3DBC97A1-8236-C695-1524-3A174666A158}"/>
               </a:ext>
             </a:extLst>
           </p:cNvPr>
@@ -3635,10 +3688,46 @@
           </a:p>
         </p:txBody>
       </p:sp>
+      <p:pic>
+        <p:nvPicPr>
+          <p:cNvPr id="8" name="Grafik 7">
+            <a:extLst>
+              <a:ext uri="{FF2B5EF4-FFF2-40B4-BE49-F238E27FC236}">
+                <a16:creationId xmlns:a16="http://schemas.microsoft.com/office/drawing/2014/main" id="{5BDAB0F1-D9CE-A485-AE8B-A9E876BF6049}"/>
+              </a:ext>
+            </a:extLst>
+          </p:cNvPr>
+          <p:cNvPicPr>
+            <a:picLocks noChangeAspect="1"/>
+          </p:cNvPicPr>
+          <p:nvPr/>
+        </p:nvPicPr>
+        <p:blipFill>
+          <a:blip r:embed="rId2">
+            <a:extLst>
+              <a:ext uri="{28A0092B-C50C-407E-A947-70E740481C1C}">
+                <a14:useLocalDpi xmlns:a14="http://schemas.microsoft.com/office/drawing/2010/main" val="0"/>
+              </a:ext>
+            </a:extLst>
+          </a:blip>
+          <a:stretch>
+            <a:fillRect/>
+          </a:stretch>
+        </p:blipFill>
+        <p:spPr>
+          <a:xfrm>
+            <a:off x="973170" y="1471567"/>
+            <a:ext cx="7197660" cy="4866466"/>
+          </a:xfrm>
+          <a:prstGeom prst="rect">
+            <a:avLst/>
+          </a:prstGeom>
+        </p:spPr>
+      </p:pic>
     </p:spTree>
     <p:extLst>
       <p:ext uri="{BB962C8B-B14F-4D97-AF65-F5344CB8AC3E}">
-        <p14:creationId xmlns:p14="http://schemas.microsoft.com/office/powerpoint/2010/main" val="1040774463"/>
+        <p14:creationId xmlns:p14="http://schemas.microsoft.com/office/powerpoint/2010/main" val="3510561279"/>
       </p:ext>
     </p:extLst>
   </p:cSld>
@@ -3667,48 +3756,6 @@
       </p:grpSpPr>
       <p:sp>
         <p:nvSpPr>
-          <p:cNvPr id="2" name="Titel 1"/>
-          <p:cNvSpPr>
-            <a:spLocks noGrp="1"/>
-          </p:cNvSpPr>
-          <p:nvPr>
-            <p:ph type="title"/>
-          </p:nvPr>
-        </p:nvSpPr>
-        <p:spPr/>
-        <p:txBody>
-          <a:bodyPr/>
-          <a:lstStyle/>
-          <a:p>
-            <a:r>
-              <a:rPr lang="de-DE" dirty="0" err="1"/>
-              <a:t>Conclusion</a:t>
-            </a:r>
-            <a:endParaRPr lang="de-DE" dirty="0"/>
-          </a:p>
-        </p:txBody>
-      </p:sp>
-      <p:sp>
-        <p:nvSpPr>
-          <p:cNvPr id="3" name="Inhaltsplatzhalter 2"/>
-          <p:cNvSpPr>
-            <a:spLocks noGrp="1"/>
-          </p:cNvSpPr>
-          <p:nvPr>
-            <p:ph idx="1"/>
-          </p:nvPr>
-        </p:nvSpPr>
-        <p:spPr/>
-        <p:txBody>
-          <a:bodyPr/>
-          <a:lstStyle/>
-          <a:p>
-            <a:endParaRPr lang="de-DE"/>
-          </a:p>
-        </p:txBody>
-      </p:sp>
-      <p:sp>
-        <p:nvSpPr>
           <p:cNvPr id="5" name="Foliennummernplatzhalter 4"/>
           <p:cNvSpPr>
             <a:spLocks noGrp="1"/>
@@ -3733,10 +3780,10 @@
       </p:sp>
       <p:sp>
         <p:nvSpPr>
-          <p:cNvPr id="6" name="Fußzeilenplatzhalter 3">
+          <p:cNvPr id="7" name="Fußzeilenplatzhalter 3">
             <a:extLst>
               <a:ext uri="{FF2B5EF4-FFF2-40B4-BE49-F238E27FC236}">
-                <a16:creationId xmlns:a16="http://schemas.microsoft.com/office/drawing/2014/main" id="{EB97BFF9-2452-C6D5-FB94-E470FD2C5036}"/>
+                <a16:creationId xmlns:a16="http://schemas.microsoft.com/office/drawing/2014/main" id="{AA4E5204-69DD-EF94-BAD3-2B7CFF010390}"/>
               </a:ext>
             </a:extLst>
           </p:cNvPr>
@@ -3770,10 +3817,118 @@
           </a:p>
         </p:txBody>
       </p:sp>
+      <p:pic>
+        <p:nvPicPr>
+          <p:cNvPr id="9" name="Grafik 8" descr="Ein Bild, das Musik, Klavier, Tasteninstrument, elektrische Orgel enthält.&#10;&#10;Automatisch generierte Beschreibung">
+            <a:extLst>
+              <a:ext uri="{FF2B5EF4-FFF2-40B4-BE49-F238E27FC236}">
+                <a16:creationId xmlns:a16="http://schemas.microsoft.com/office/drawing/2014/main" id="{F3017724-1E7D-9C20-47EB-6632F1540016}"/>
+              </a:ext>
+            </a:extLst>
+          </p:cNvPr>
+          <p:cNvPicPr>
+            <a:picLocks noChangeAspect="1"/>
+          </p:cNvPicPr>
+          <p:nvPr/>
+        </p:nvPicPr>
+        <p:blipFill>
+          <a:blip r:embed="rId2" cstate="print">
+            <a:extLst>
+              <a:ext uri="{28A0092B-C50C-407E-A947-70E740481C1C}">
+                <a14:useLocalDpi xmlns:a14="http://schemas.microsoft.com/office/drawing/2010/main" val="0"/>
+              </a:ext>
+            </a:extLst>
+          </a:blip>
+          <a:stretch>
+            <a:fillRect/>
+          </a:stretch>
+        </p:blipFill>
+        <p:spPr>
+          <a:xfrm>
+            <a:off x="2411373" y="577061"/>
+            <a:ext cx="4321254" cy="2232626"/>
+          </a:xfrm>
+          <a:prstGeom prst="rect">
+            <a:avLst/>
+          </a:prstGeom>
+        </p:spPr>
+      </p:pic>
+      <p:pic>
+        <p:nvPicPr>
+          <p:cNvPr id="11" name="Grafik 10" descr="Ein Bild, das Text, Musik, Klavier, elektrische Orgel enthält.&#10;&#10;Automatisch generierte Beschreibung">
+            <a:extLst>
+              <a:ext uri="{FF2B5EF4-FFF2-40B4-BE49-F238E27FC236}">
+                <a16:creationId xmlns:a16="http://schemas.microsoft.com/office/drawing/2014/main" id="{80C07609-D60B-9C06-878A-E2532FB6222A}"/>
+              </a:ext>
+            </a:extLst>
+          </p:cNvPr>
+          <p:cNvPicPr>
+            <a:picLocks noChangeAspect="1"/>
+          </p:cNvPicPr>
+          <p:nvPr/>
+        </p:nvPicPr>
+        <p:blipFill>
+          <a:blip r:embed="rId3" cstate="print">
+            <a:extLst>
+              <a:ext uri="{28A0092B-C50C-407E-A947-70E740481C1C}">
+                <a14:useLocalDpi xmlns:a14="http://schemas.microsoft.com/office/drawing/2010/main" val="0"/>
+              </a:ext>
+            </a:extLst>
+          </a:blip>
+          <a:stretch>
+            <a:fillRect/>
+          </a:stretch>
+        </p:blipFill>
+        <p:spPr>
+          <a:xfrm>
+            <a:off x="4807238" y="3070285"/>
+            <a:ext cx="4198157" cy="3171162"/>
+          </a:xfrm>
+          <a:prstGeom prst="rect">
+            <a:avLst/>
+          </a:prstGeom>
+        </p:spPr>
+      </p:pic>
+      <p:pic>
+        <p:nvPicPr>
+          <p:cNvPr id="13" name="Grafik 12" descr="Ein Bild, das Text, Musik, Klavier enthält.&#10;&#10;Automatisch generierte Beschreibung">
+            <a:extLst>
+              <a:ext uri="{FF2B5EF4-FFF2-40B4-BE49-F238E27FC236}">
+                <a16:creationId xmlns:a16="http://schemas.microsoft.com/office/drawing/2014/main" id="{BEE97FF2-107D-8A16-6A84-2A78AD388161}"/>
+              </a:ext>
+            </a:extLst>
+          </p:cNvPr>
+          <p:cNvPicPr>
+            <a:picLocks noChangeAspect="1"/>
+          </p:cNvPicPr>
+          <p:nvPr/>
+        </p:nvPicPr>
+        <p:blipFill>
+          <a:blip r:embed="rId4" cstate="print">
+            <a:extLst>
+              <a:ext uri="{28A0092B-C50C-407E-A947-70E740481C1C}">
+                <a14:useLocalDpi xmlns:a14="http://schemas.microsoft.com/office/drawing/2010/main" val="0"/>
+              </a:ext>
+            </a:extLst>
+          </a:blip>
+          <a:stretch>
+            <a:fillRect/>
+          </a:stretch>
+        </p:blipFill>
+        <p:spPr>
+          <a:xfrm>
+            <a:off x="138605" y="3069840"/>
+            <a:ext cx="4321254" cy="3171607"/>
+          </a:xfrm>
+          <a:prstGeom prst="rect">
+            <a:avLst/>
+          </a:prstGeom>
+        </p:spPr>
+      </p:pic>
     </p:spTree>
     <p:extLst>
       <p:ext uri="{BB962C8B-B14F-4D97-AF65-F5344CB8AC3E}">
-        <p14:creationId xmlns:p14="http://schemas.microsoft.com/office/powerpoint/2010/main" val="2451941031"/>
+        <p14:creationId xmlns:p14="http://schemas.microsoft.com/office/powerpoint/2010/main" val="92932218"/>
       </p:ext>
     </p:extLst>
   </p:cSld>
@@ -3815,6 +3970,707 @@
           <a:bodyPr/>
           <a:lstStyle/>
           <a:p>
+            <a:pPr algn="ctr"/>
+            <a:r>
+              <a:rPr lang="en-US" dirty="0"/>
+              <a:t>User Study (n=7)</a:t>
+            </a:r>
+          </a:p>
+        </p:txBody>
+      </p:sp>
+      <p:sp>
+        <p:nvSpPr>
+          <p:cNvPr id="5" name="Foliennummernplatzhalter 4"/>
+          <p:cNvSpPr>
+            <a:spLocks noGrp="1"/>
+          </p:cNvSpPr>
+          <p:nvPr>
+            <p:ph type="sldNum" sz="quarter" idx="12"/>
+          </p:nvPr>
+        </p:nvSpPr>
+        <p:spPr/>
+        <p:txBody>
+          <a:bodyPr/>
+          <a:lstStyle/>
+          <a:p>
+            <a:fld id="{DA5F8C94-1FE7-4B98-885D-30951FE77ADD}" type="slidenum">
+              <a:rPr lang="en-US" smtClean="0"/>
+              <a:pPr/>
+              <a:t>13</a:t>
+            </a:fld>
+            <a:endParaRPr lang="en-US" dirty="0"/>
+          </a:p>
+        </p:txBody>
+      </p:sp>
+      <p:sp>
+        <p:nvSpPr>
+          <p:cNvPr id="6" name="Fußzeilenplatzhalter 3">
+            <a:extLst>
+              <a:ext uri="{FF2B5EF4-FFF2-40B4-BE49-F238E27FC236}">
+                <a16:creationId xmlns:a16="http://schemas.microsoft.com/office/drawing/2014/main" id="{C10D46F6-4B5F-99EC-A295-CBFE82185646}"/>
+              </a:ext>
+            </a:extLst>
+          </p:cNvPr>
+          <p:cNvSpPr>
+            <a:spLocks noGrp="1"/>
+          </p:cNvSpPr>
+          <p:nvPr>
+            <p:ph type="ftr" sz="quarter" idx="11"/>
+          </p:nvPr>
+        </p:nvSpPr>
+        <p:spPr>
+          <a:xfrm>
+            <a:off x="0" y="6501600"/>
+            <a:ext cx="8323308" cy="304800"/>
+          </a:xfrm>
+        </p:spPr>
+        <p:txBody>
+          <a:bodyPr/>
+          <a:lstStyle/>
+          <a:p>
+            <a:pPr algn="ctr"/>
+            <a:r>
+              <a:rPr lang="en-US" dirty="0"/>
+              <a:t>Leon Brooks: Development of an Augmented Reality Based eLearning Tool for Teaching the Basics of Harmonic Theory</a:t>
+            </a:r>
+          </a:p>
+        </p:txBody>
+      </p:sp>
+      <p:pic>
+        <p:nvPicPr>
+          <p:cNvPr id="7" name="Grafik 6">
+            <a:extLst>
+              <a:ext uri="{FF2B5EF4-FFF2-40B4-BE49-F238E27FC236}">
+                <a16:creationId xmlns:a16="http://schemas.microsoft.com/office/drawing/2014/main" id="{34E72CF6-9F4F-F2C7-B92B-1802B1B4EB49}"/>
+              </a:ext>
+            </a:extLst>
+          </p:cNvPr>
+          <p:cNvPicPr>
+            <a:picLocks noChangeAspect="1"/>
+          </p:cNvPicPr>
+          <p:nvPr/>
+        </p:nvPicPr>
+        <p:blipFill>
+          <a:blip r:embed="rId2"/>
+          <a:stretch>
+            <a:fillRect/>
+          </a:stretch>
+        </p:blipFill>
+        <p:spPr>
+          <a:xfrm>
+            <a:off x="648188" y="1650000"/>
+            <a:ext cx="7847624" cy="3823049"/>
+          </a:xfrm>
+          <a:prstGeom prst="rect">
+            <a:avLst/>
+          </a:prstGeom>
+        </p:spPr>
+      </p:pic>
+      <p:sp>
+        <p:nvSpPr>
+          <p:cNvPr id="12" name="Textfeld 11">
+            <a:extLst>
+              <a:ext uri="{FF2B5EF4-FFF2-40B4-BE49-F238E27FC236}">
+                <a16:creationId xmlns:a16="http://schemas.microsoft.com/office/drawing/2014/main" id="{C9AF0112-CECD-1D81-7BA7-08174BF7474F}"/>
+              </a:ext>
+            </a:extLst>
+          </p:cNvPr>
+          <p:cNvSpPr txBox="1"/>
+          <p:nvPr/>
+        </p:nvSpPr>
+        <p:spPr>
+          <a:xfrm>
+            <a:off x="2064057" y="5759490"/>
+            <a:ext cx="5015883" cy="400110"/>
+          </a:xfrm>
+          <a:prstGeom prst="rect">
+            <a:avLst/>
+          </a:prstGeom>
+          <a:noFill/>
+        </p:spPr>
+        <p:txBody>
+          <a:bodyPr wrap="square" rtlCol="0">
+            <a:spAutoFit/>
+          </a:bodyPr>
+          <a:lstStyle/>
+          <a:p>
+            <a:pPr algn="ctr"/>
+            <a:r>
+              <a:rPr lang="en-US" dirty="0"/>
+              <a:t>Input Method Evaluation</a:t>
+            </a:r>
+          </a:p>
+        </p:txBody>
+      </p:sp>
+    </p:spTree>
+    <p:extLst>
+      <p:ext uri="{BB962C8B-B14F-4D97-AF65-F5344CB8AC3E}">
+        <p14:creationId xmlns:p14="http://schemas.microsoft.com/office/powerpoint/2010/main" val="4242214151"/>
+      </p:ext>
+    </p:extLst>
+  </p:cSld>
+  <p:clrMapOvr>
+    <a:masterClrMapping/>
+  </p:clrMapOvr>
+</p:sld>
+</file>
+
+<file path=ppt/slides/slide14.xml><?xml version="1.0" encoding="utf-8"?>
+<p:sld xmlns:a="http://schemas.openxmlformats.org/drawingml/2006/main" xmlns:r="http://schemas.openxmlformats.org/officeDocument/2006/relationships" xmlns:p="http://schemas.openxmlformats.org/presentationml/2006/main">
+  <p:cSld>
+    <p:spTree>
+      <p:nvGrpSpPr>
+        <p:cNvPr id="1" name=""/>
+        <p:cNvGrpSpPr/>
+        <p:nvPr/>
+      </p:nvGrpSpPr>
+      <p:grpSpPr>
+        <a:xfrm>
+          <a:off x="0" y="0"/>
+          <a:ext cx="0" cy="0"/>
+          <a:chOff x="0" y="0"/>
+          <a:chExt cx="0" cy="0"/>
+        </a:xfrm>
+      </p:grpSpPr>
+      <p:sp>
+        <p:nvSpPr>
+          <p:cNvPr id="2" name="Titel 1"/>
+          <p:cNvSpPr>
+            <a:spLocks noGrp="1"/>
+          </p:cNvSpPr>
+          <p:nvPr>
+            <p:ph type="title"/>
+          </p:nvPr>
+        </p:nvSpPr>
+        <p:spPr/>
+        <p:txBody>
+          <a:bodyPr/>
+          <a:lstStyle/>
+          <a:p>
+            <a:pPr algn="ctr"/>
+            <a:r>
+              <a:rPr lang="en-US" dirty="0"/>
+              <a:t>User Study  (n=7)</a:t>
+            </a:r>
+          </a:p>
+        </p:txBody>
+      </p:sp>
+      <p:sp>
+        <p:nvSpPr>
+          <p:cNvPr id="5" name="Foliennummernplatzhalter 4"/>
+          <p:cNvSpPr>
+            <a:spLocks noGrp="1"/>
+          </p:cNvSpPr>
+          <p:nvPr>
+            <p:ph type="sldNum" sz="quarter" idx="12"/>
+          </p:nvPr>
+        </p:nvSpPr>
+        <p:spPr/>
+        <p:txBody>
+          <a:bodyPr/>
+          <a:lstStyle/>
+          <a:p>
+            <a:fld id="{DA5F8C94-1FE7-4B98-885D-30951FE77ADD}" type="slidenum">
+              <a:rPr lang="en-US" smtClean="0"/>
+              <a:pPr/>
+              <a:t>14</a:t>
+            </a:fld>
+            <a:endParaRPr lang="en-US" dirty="0"/>
+          </a:p>
+        </p:txBody>
+      </p:sp>
+      <p:sp>
+        <p:nvSpPr>
+          <p:cNvPr id="6" name="Fußzeilenplatzhalter 3">
+            <a:extLst>
+              <a:ext uri="{FF2B5EF4-FFF2-40B4-BE49-F238E27FC236}">
+                <a16:creationId xmlns:a16="http://schemas.microsoft.com/office/drawing/2014/main" id="{C10D46F6-4B5F-99EC-A295-CBFE82185646}"/>
+              </a:ext>
+            </a:extLst>
+          </p:cNvPr>
+          <p:cNvSpPr>
+            <a:spLocks noGrp="1"/>
+          </p:cNvSpPr>
+          <p:nvPr>
+            <p:ph type="ftr" sz="quarter" idx="11"/>
+          </p:nvPr>
+        </p:nvSpPr>
+        <p:spPr>
+          <a:xfrm>
+            <a:off x="0" y="6501600"/>
+            <a:ext cx="8323308" cy="304800"/>
+          </a:xfrm>
+        </p:spPr>
+        <p:txBody>
+          <a:bodyPr/>
+          <a:lstStyle/>
+          <a:p>
+            <a:pPr algn="ctr"/>
+            <a:r>
+              <a:rPr lang="en-US" dirty="0"/>
+              <a:t>Leon Brooks: Development of an Augmented Reality Based eLearning Tool for Teaching the Basics of Harmonic Theory</a:t>
+            </a:r>
+          </a:p>
+        </p:txBody>
+      </p:sp>
+      <p:pic>
+        <p:nvPicPr>
+          <p:cNvPr id="9" name="Grafik 8">
+            <a:extLst>
+              <a:ext uri="{FF2B5EF4-FFF2-40B4-BE49-F238E27FC236}">
+                <a16:creationId xmlns:a16="http://schemas.microsoft.com/office/drawing/2014/main" id="{540F2EF5-F134-EE25-9D87-6B0B2C761CB9}"/>
+              </a:ext>
+            </a:extLst>
+          </p:cNvPr>
+          <p:cNvPicPr>
+            <a:picLocks noChangeAspect="1"/>
+          </p:cNvPicPr>
+          <p:nvPr/>
+        </p:nvPicPr>
+        <p:blipFill>
+          <a:blip r:embed="rId2"/>
+          <a:stretch>
+            <a:fillRect/>
+          </a:stretch>
+        </p:blipFill>
+        <p:spPr>
+          <a:xfrm>
+            <a:off x="2911876" y="1515425"/>
+            <a:ext cx="5724124" cy="3296944"/>
+          </a:xfrm>
+          <a:prstGeom prst="rect">
+            <a:avLst/>
+          </a:prstGeom>
+        </p:spPr>
+      </p:pic>
+      <p:pic>
+        <p:nvPicPr>
+          <p:cNvPr id="10" name="Grafik 9">
+            <a:extLst>
+              <a:ext uri="{FF2B5EF4-FFF2-40B4-BE49-F238E27FC236}">
+                <a16:creationId xmlns:a16="http://schemas.microsoft.com/office/drawing/2014/main" id="{5C253541-7D7B-EF48-C545-8E85ED7E5CD4}"/>
+              </a:ext>
+            </a:extLst>
+          </p:cNvPr>
+          <p:cNvPicPr>
+            <a:picLocks noChangeAspect="1"/>
+          </p:cNvPicPr>
+          <p:nvPr/>
+        </p:nvPicPr>
+        <p:blipFill>
+          <a:blip r:embed="rId3"/>
+          <a:stretch>
+            <a:fillRect/>
+          </a:stretch>
+        </p:blipFill>
+        <p:spPr>
+          <a:xfrm>
+            <a:off x="1101756" y="5243952"/>
+            <a:ext cx="3869740" cy="915648"/>
+          </a:xfrm>
+          <a:prstGeom prst="rect">
+            <a:avLst/>
+          </a:prstGeom>
+        </p:spPr>
+      </p:pic>
+      <p:sp>
+        <p:nvSpPr>
+          <p:cNvPr id="11" name="Textfeld 10">
+            <a:extLst>
+              <a:ext uri="{FF2B5EF4-FFF2-40B4-BE49-F238E27FC236}">
+                <a16:creationId xmlns:a16="http://schemas.microsoft.com/office/drawing/2014/main" id="{1DBF675B-286E-60B6-B5AC-35050C32EF2D}"/>
+              </a:ext>
+            </a:extLst>
+          </p:cNvPr>
+          <p:cNvSpPr txBox="1"/>
+          <p:nvPr/>
+        </p:nvSpPr>
+        <p:spPr>
+          <a:xfrm>
+            <a:off x="357079" y="2713642"/>
+            <a:ext cx="2048769" cy="707886"/>
+          </a:xfrm>
+          <a:prstGeom prst="rect">
+            <a:avLst/>
+          </a:prstGeom>
+          <a:noFill/>
+        </p:spPr>
+        <p:txBody>
+          <a:bodyPr wrap="square" rtlCol="0">
+            <a:spAutoFit/>
+          </a:bodyPr>
+          <a:lstStyle/>
+          <a:p>
+            <a:pPr algn="ctr"/>
+            <a:r>
+              <a:rPr lang="en-US" dirty="0"/>
+              <a:t>Tutorial Evaluation</a:t>
+            </a:r>
+          </a:p>
+        </p:txBody>
+      </p:sp>
+      <p:sp>
+        <p:nvSpPr>
+          <p:cNvPr id="12" name="Textfeld 11">
+            <a:extLst>
+              <a:ext uri="{FF2B5EF4-FFF2-40B4-BE49-F238E27FC236}">
+                <a16:creationId xmlns:a16="http://schemas.microsoft.com/office/drawing/2014/main" id="{B53C2767-8099-B273-8502-49867916D27B}"/>
+              </a:ext>
+            </a:extLst>
+          </p:cNvPr>
+          <p:cNvSpPr txBox="1"/>
+          <p:nvPr/>
+        </p:nvSpPr>
+        <p:spPr>
+          <a:xfrm>
+            <a:off x="5935215" y="5468110"/>
+            <a:ext cx="2388093" cy="400110"/>
+          </a:xfrm>
+          <a:prstGeom prst="rect">
+            <a:avLst/>
+          </a:prstGeom>
+          <a:noFill/>
+        </p:spPr>
+        <p:txBody>
+          <a:bodyPr wrap="square" rtlCol="0">
+            <a:spAutoFit/>
+          </a:bodyPr>
+          <a:lstStyle/>
+          <a:p>
+            <a:pPr algn="ctr"/>
+            <a:r>
+              <a:rPr lang="en-US" dirty="0"/>
+              <a:t>Overall Score</a:t>
+            </a:r>
+          </a:p>
+        </p:txBody>
+      </p:sp>
+    </p:spTree>
+    <p:extLst>
+      <p:ext uri="{BB962C8B-B14F-4D97-AF65-F5344CB8AC3E}">
+        <p14:creationId xmlns:p14="http://schemas.microsoft.com/office/powerpoint/2010/main" val="4054830048"/>
+      </p:ext>
+    </p:extLst>
+  </p:cSld>
+  <p:clrMapOvr>
+    <a:masterClrMapping/>
+  </p:clrMapOvr>
+</p:sld>
+</file>
+
+<file path=ppt/slides/slide15.xml><?xml version="1.0" encoding="utf-8"?>
+<p:sld xmlns:a="http://schemas.openxmlformats.org/drawingml/2006/main" xmlns:r="http://schemas.openxmlformats.org/officeDocument/2006/relationships" xmlns:p="http://schemas.openxmlformats.org/presentationml/2006/main">
+  <p:cSld>
+    <p:spTree>
+      <p:nvGrpSpPr>
+        <p:cNvPr id="1" name=""/>
+        <p:cNvGrpSpPr/>
+        <p:nvPr/>
+      </p:nvGrpSpPr>
+      <p:grpSpPr>
+        <a:xfrm>
+          <a:off x="0" y="0"/>
+          <a:ext cx="0" cy="0"/>
+          <a:chOff x="0" y="0"/>
+          <a:chExt cx="0" cy="0"/>
+        </a:xfrm>
+      </p:grpSpPr>
+      <p:sp>
+        <p:nvSpPr>
+          <p:cNvPr id="2" name="Titel 1"/>
+          <p:cNvSpPr>
+            <a:spLocks noGrp="1"/>
+          </p:cNvSpPr>
+          <p:nvPr>
+            <p:ph type="title"/>
+          </p:nvPr>
+        </p:nvSpPr>
+        <p:spPr/>
+        <p:txBody>
+          <a:bodyPr/>
+          <a:lstStyle/>
+          <a:p>
+            <a:r>
+              <a:rPr lang="de-DE" dirty="0" err="1"/>
+              <a:t>Discussion</a:t>
+            </a:r>
+            <a:r>
+              <a:rPr lang="de-DE" dirty="0"/>
+              <a:t> / </a:t>
+            </a:r>
+            <a:r>
+              <a:rPr lang="de-DE" dirty="0" err="1"/>
+              <a:t>Suggested</a:t>
+            </a:r>
+            <a:r>
+              <a:rPr lang="de-DE" dirty="0"/>
+              <a:t> Future Work</a:t>
+            </a:r>
+          </a:p>
+        </p:txBody>
+      </p:sp>
+      <p:sp>
+        <p:nvSpPr>
+          <p:cNvPr id="3" name="Inhaltsplatzhalter 2"/>
+          <p:cNvSpPr>
+            <a:spLocks noGrp="1"/>
+          </p:cNvSpPr>
+          <p:nvPr>
+            <p:ph idx="1"/>
+          </p:nvPr>
+        </p:nvSpPr>
+        <p:spPr/>
+        <p:txBody>
+          <a:bodyPr/>
+          <a:lstStyle/>
+          <a:p>
+            <a:endParaRPr lang="de-DE"/>
+          </a:p>
+        </p:txBody>
+      </p:sp>
+      <p:sp>
+        <p:nvSpPr>
+          <p:cNvPr id="5" name="Foliennummernplatzhalter 4"/>
+          <p:cNvSpPr>
+            <a:spLocks noGrp="1"/>
+          </p:cNvSpPr>
+          <p:nvPr>
+            <p:ph type="sldNum" sz="quarter" idx="12"/>
+          </p:nvPr>
+        </p:nvSpPr>
+        <p:spPr/>
+        <p:txBody>
+          <a:bodyPr/>
+          <a:lstStyle/>
+          <a:p>
+            <a:fld id="{DA5F8C94-1FE7-4B98-885D-30951FE77ADD}" type="slidenum">
+              <a:rPr lang="de-DE" smtClean="0"/>
+              <a:pPr/>
+              <a:t>15</a:t>
+            </a:fld>
+            <a:endParaRPr lang="de-DE"/>
+          </a:p>
+        </p:txBody>
+      </p:sp>
+      <p:sp>
+        <p:nvSpPr>
+          <p:cNvPr id="6" name="Fußzeilenplatzhalter 3">
+            <a:extLst>
+              <a:ext uri="{FF2B5EF4-FFF2-40B4-BE49-F238E27FC236}">
+                <a16:creationId xmlns:a16="http://schemas.microsoft.com/office/drawing/2014/main" id="{8703FABD-EF19-A2AC-F0F0-CC0EEDD3B54B}"/>
+              </a:ext>
+            </a:extLst>
+          </p:cNvPr>
+          <p:cNvSpPr>
+            <a:spLocks noGrp="1"/>
+          </p:cNvSpPr>
+          <p:nvPr>
+            <p:ph type="ftr" sz="quarter" idx="11"/>
+          </p:nvPr>
+        </p:nvSpPr>
+        <p:spPr>
+          <a:xfrm>
+            <a:off x="0" y="6501600"/>
+            <a:ext cx="8323308" cy="304800"/>
+          </a:xfrm>
+        </p:spPr>
+        <p:txBody>
+          <a:bodyPr/>
+          <a:lstStyle/>
+          <a:p>
+            <a:pPr algn="ctr"/>
+            <a:r>
+              <a:rPr lang="de-DE" dirty="0"/>
+              <a:t>Leon Brooks: </a:t>
+            </a:r>
+            <a:r>
+              <a:rPr lang="en-US" dirty="0"/>
+              <a:t>Development of an Augmented Reality Based eLearning Tool for Teaching the Basics of Harmonic Theory</a:t>
+            </a:r>
+            <a:endParaRPr lang="de-DE" dirty="0"/>
+          </a:p>
+        </p:txBody>
+      </p:sp>
+    </p:spTree>
+    <p:extLst>
+      <p:ext uri="{BB962C8B-B14F-4D97-AF65-F5344CB8AC3E}">
+        <p14:creationId xmlns:p14="http://schemas.microsoft.com/office/powerpoint/2010/main" val="1040774463"/>
+      </p:ext>
+    </p:extLst>
+  </p:cSld>
+  <p:clrMapOvr>
+    <a:masterClrMapping/>
+  </p:clrMapOvr>
+</p:sld>
+</file>
+
+<file path=ppt/slides/slide16.xml><?xml version="1.0" encoding="utf-8"?>
+<p:sld xmlns:a="http://schemas.openxmlformats.org/drawingml/2006/main" xmlns:r="http://schemas.openxmlformats.org/officeDocument/2006/relationships" xmlns:p="http://schemas.openxmlformats.org/presentationml/2006/main">
+  <p:cSld>
+    <p:spTree>
+      <p:nvGrpSpPr>
+        <p:cNvPr id="1" name=""/>
+        <p:cNvGrpSpPr/>
+        <p:nvPr/>
+      </p:nvGrpSpPr>
+      <p:grpSpPr>
+        <a:xfrm>
+          <a:off x="0" y="0"/>
+          <a:ext cx="0" cy="0"/>
+          <a:chOff x="0" y="0"/>
+          <a:chExt cx="0" cy="0"/>
+        </a:xfrm>
+      </p:grpSpPr>
+      <p:sp>
+        <p:nvSpPr>
+          <p:cNvPr id="2" name="Titel 1"/>
+          <p:cNvSpPr>
+            <a:spLocks noGrp="1"/>
+          </p:cNvSpPr>
+          <p:nvPr>
+            <p:ph type="title"/>
+          </p:nvPr>
+        </p:nvSpPr>
+        <p:spPr/>
+        <p:txBody>
+          <a:bodyPr/>
+          <a:lstStyle/>
+          <a:p>
+            <a:r>
+              <a:rPr lang="de-DE" dirty="0" err="1"/>
+              <a:t>Conclusion</a:t>
+            </a:r>
+            <a:endParaRPr lang="de-DE" dirty="0"/>
+          </a:p>
+        </p:txBody>
+      </p:sp>
+      <p:sp>
+        <p:nvSpPr>
+          <p:cNvPr id="3" name="Inhaltsplatzhalter 2"/>
+          <p:cNvSpPr>
+            <a:spLocks noGrp="1"/>
+          </p:cNvSpPr>
+          <p:nvPr>
+            <p:ph idx="1"/>
+          </p:nvPr>
+        </p:nvSpPr>
+        <p:spPr/>
+        <p:txBody>
+          <a:bodyPr/>
+          <a:lstStyle/>
+          <a:p>
+            <a:endParaRPr lang="de-DE"/>
+          </a:p>
+        </p:txBody>
+      </p:sp>
+      <p:sp>
+        <p:nvSpPr>
+          <p:cNvPr id="5" name="Foliennummernplatzhalter 4"/>
+          <p:cNvSpPr>
+            <a:spLocks noGrp="1"/>
+          </p:cNvSpPr>
+          <p:nvPr>
+            <p:ph type="sldNum" sz="quarter" idx="12"/>
+          </p:nvPr>
+        </p:nvSpPr>
+        <p:spPr/>
+        <p:txBody>
+          <a:bodyPr/>
+          <a:lstStyle/>
+          <a:p>
+            <a:fld id="{DA5F8C94-1FE7-4B98-885D-30951FE77ADD}" type="slidenum">
+              <a:rPr lang="de-DE" smtClean="0"/>
+              <a:pPr/>
+              <a:t>16</a:t>
+            </a:fld>
+            <a:endParaRPr lang="de-DE"/>
+          </a:p>
+        </p:txBody>
+      </p:sp>
+      <p:sp>
+        <p:nvSpPr>
+          <p:cNvPr id="6" name="Fußzeilenplatzhalter 3">
+            <a:extLst>
+              <a:ext uri="{FF2B5EF4-FFF2-40B4-BE49-F238E27FC236}">
+                <a16:creationId xmlns:a16="http://schemas.microsoft.com/office/drawing/2014/main" id="{EB97BFF9-2452-C6D5-FB94-E470FD2C5036}"/>
+              </a:ext>
+            </a:extLst>
+          </p:cNvPr>
+          <p:cNvSpPr>
+            <a:spLocks noGrp="1"/>
+          </p:cNvSpPr>
+          <p:nvPr>
+            <p:ph type="ftr" sz="quarter" idx="11"/>
+          </p:nvPr>
+        </p:nvSpPr>
+        <p:spPr>
+          <a:xfrm>
+            <a:off x="0" y="6501600"/>
+            <a:ext cx="8323308" cy="304800"/>
+          </a:xfrm>
+        </p:spPr>
+        <p:txBody>
+          <a:bodyPr/>
+          <a:lstStyle/>
+          <a:p>
+            <a:pPr algn="ctr"/>
+            <a:r>
+              <a:rPr lang="de-DE" dirty="0"/>
+              <a:t>Leon Brooks: </a:t>
+            </a:r>
+            <a:r>
+              <a:rPr lang="en-US" dirty="0"/>
+              <a:t>Development of an Augmented Reality Based eLearning Tool for Teaching the Basics of Harmonic Theory</a:t>
+            </a:r>
+            <a:endParaRPr lang="de-DE" dirty="0"/>
+          </a:p>
+        </p:txBody>
+      </p:sp>
+    </p:spTree>
+    <p:extLst>
+      <p:ext uri="{BB962C8B-B14F-4D97-AF65-F5344CB8AC3E}">
+        <p14:creationId xmlns:p14="http://schemas.microsoft.com/office/powerpoint/2010/main" val="2451941031"/>
+      </p:ext>
+    </p:extLst>
+  </p:cSld>
+  <p:clrMapOvr>
+    <a:masterClrMapping/>
+  </p:clrMapOvr>
+</p:sld>
+</file>
+
+<file path=ppt/slides/slide17.xml><?xml version="1.0" encoding="utf-8"?>
+<p:sld xmlns:a="http://schemas.openxmlformats.org/drawingml/2006/main" xmlns:r="http://schemas.openxmlformats.org/officeDocument/2006/relationships" xmlns:p="http://schemas.openxmlformats.org/presentationml/2006/main">
+  <p:cSld>
+    <p:spTree>
+      <p:nvGrpSpPr>
+        <p:cNvPr id="1" name=""/>
+        <p:cNvGrpSpPr/>
+        <p:nvPr/>
+      </p:nvGrpSpPr>
+      <p:grpSpPr>
+        <a:xfrm>
+          <a:off x="0" y="0"/>
+          <a:ext cx="0" cy="0"/>
+          <a:chOff x="0" y="0"/>
+          <a:chExt cx="0" cy="0"/>
+        </a:xfrm>
+      </p:grpSpPr>
+      <p:sp>
+        <p:nvSpPr>
+          <p:cNvPr id="2" name="Titel 1"/>
+          <p:cNvSpPr>
+            <a:spLocks noGrp="1"/>
+          </p:cNvSpPr>
+          <p:nvPr>
+            <p:ph type="title"/>
+          </p:nvPr>
+        </p:nvSpPr>
+        <p:spPr/>
+        <p:txBody>
+          <a:bodyPr/>
+          <a:lstStyle/>
+          <a:p>
             <a:r>
               <a:rPr lang="de-DE" dirty="0"/>
               <a:t>List </a:t>
@@ -3891,7 +4747,7 @@
             <a:fld id="{DA5F8C94-1FE7-4B98-885D-30951FE77ADD}" type="slidenum">
               <a:rPr lang="de-DE" smtClean="0"/>
               <a:pPr/>
-              <a:t>13</a:t>
+              <a:t>17</a:t>
             </a:fld>
             <a:endParaRPr lang="de-DE"/>
           </a:p>
@@ -5596,7 +6452,13 @@
       </p:grpSpPr>
       <p:sp>
         <p:nvSpPr>
-          <p:cNvPr id="2" name="Titel 1"/>
+          <p:cNvPr id="2" name="Titel 1">
+            <a:extLst>
+              <a:ext uri="{FF2B5EF4-FFF2-40B4-BE49-F238E27FC236}">
+                <a16:creationId xmlns:a16="http://schemas.microsoft.com/office/drawing/2014/main" id="{105CFD01-695C-D565-6EE4-BD34FED5C51C}"/>
+              </a:ext>
+            </a:extLst>
+          </p:cNvPr>
           <p:cNvSpPr>
             <a:spLocks noGrp="1"/>
           </p:cNvSpPr>
@@ -5609,16 +6471,23 @@
           <a:bodyPr/>
           <a:lstStyle/>
           <a:p>
-            <a:r>
-              <a:rPr lang="de-DE" dirty="0"/>
-              <a:t>Implementation</a:t>
-            </a:r>
-          </a:p>
-        </p:txBody>
-      </p:sp>
-      <p:sp>
-        <p:nvSpPr>
-          <p:cNvPr id="3" name="Inhaltsplatzhalter 2"/>
+            <a:pPr algn="ctr"/>
+            <a:r>
+              <a:rPr lang="en-US" dirty="0"/>
+              <a:t>Software Design</a:t>
+            </a:r>
+          </a:p>
+        </p:txBody>
+      </p:sp>
+      <p:sp>
+        <p:nvSpPr>
+          <p:cNvPr id="3" name="Inhaltsplatzhalter 2">
+            <a:extLst>
+              <a:ext uri="{FF2B5EF4-FFF2-40B4-BE49-F238E27FC236}">
+                <a16:creationId xmlns:a16="http://schemas.microsoft.com/office/drawing/2014/main" id="{FCEAAE9C-3461-471A-EAD0-8903ED728A3A}"/>
+              </a:ext>
+            </a:extLst>
+          </p:cNvPr>
           <p:cNvSpPr>
             <a:spLocks noGrp="1"/>
           </p:cNvSpPr>
@@ -5626,18 +6495,115 @@
             <p:ph idx="1"/>
           </p:nvPr>
         </p:nvSpPr>
-        <p:spPr/>
-        <p:txBody>
-          <a:bodyPr/>
-          <a:lstStyle/>
-          <a:p>
-            <a:endParaRPr lang="de-DE"/>
-          </a:p>
-        </p:txBody>
-      </p:sp>
-      <p:sp>
-        <p:nvSpPr>
-          <p:cNvPr id="5" name="Foliennummernplatzhalter 4"/>
+        <p:spPr>
+          <a:xfrm>
+            <a:off x="428101" y="1552799"/>
+            <a:ext cx="8128000" cy="4606801"/>
+          </a:xfrm>
+        </p:spPr>
+        <p:txBody>
+          <a:bodyPr/>
+          <a:lstStyle/>
+          <a:p>
+            <a:pPr marL="0" indent="0">
+              <a:buNone/>
+            </a:pPr>
+            <a:r>
+              <a:rPr lang="en-US" b="1" dirty="0"/>
+              <a:t>General Requirements:</a:t>
+            </a:r>
+          </a:p>
+          <a:p>
+            <a:r>
+              <a:rPr lang="en-US" sz="2000" dirty="0"/>
+              <a:t>Teach harmonic theory</a:t>
+            </a:r>
+          </a:p>
+          <a:p>
+            <a:r>
+              <a:rPr lang="en-US" sz="2000" dirty="0"/>
+              <a:t>Include sheet music</a:t>
+            </a:r>
+            <a:endParaRPr lang="en-US" sz="2000" dirty="0">
+              <a:solidFill>
+                <a:srgbClr val="0070C0"/>
+              </a:solidFill>
+            </a:endParaRPr>
+          </a:p>
+          <a:p>
+            <a:r>
+              <a:rPr lang="en-US" sz="2000" dirty="0"/>
+              <a:t>Include Keyboard + sound</a:t>
+            </a:r>
+          </a:p>
+          <a:p>
+            <a:endParaRPr lang="en-US" sz="2000" dirty="0"/>
+          </a:p>
+          <a:p>
+            <a:endParaRPr lang="en-US" sz="2000" dirty="0"/>
+          </a:p>
+          <a:p>
+            <a:pPr marL="0" indent="0">
+              <a:buNone/>
+            </a:pPr>
+            <a:r>
+              <a:rPr lang="en-US" sz="2000" b="1" dirty="0"/>
+              <a:t>Integrating Affordances of AR:</a:t>
+            </a:r>
+          </a:p>
+          <a:p>
+            <a:r>
+              <a:rPr lang="en-US" sz="2000" i="1" dirty="0">
+                <a:solidFill>
+                  <a:srgbClr val="0070C0"/>
+                </a:solidFill>
+              </a:rPr>
+              <a:t>Real world annotation: </a:t>
+            </a:r>
+            <a:r>
+              <a:rPr lang="en-US" sz="2000" dirty="0"/>
+              <a:t>annotate important sheet music elements + use coloring</a:t>
+            </a:r>
+          </a:p>
+          <a:p>
+            <a:r>
+              <a:rPr lang="en-US" sz="2000" i="1" dirty="0">
+                <a:solidFill>
+                  <a:srgbClr val="0070C0"/>
+                </a:solidFill>
+              </a:rPr>
+              <a:t>Context visualization: </a:t>
+            </a:r>
+            <a:r>
+              <a:rPr lang="en-US" sz="2000" dirty="0"/>
+              <a:t>not feasible</a:t>
+            </a:r>
+          </a:p>
+          <a:p>
+            <a:r>
+              <a:rPr lang="en-US" sz="2000" i="1" dirty="0">
+                <a:solidFill>
+                  <a:srgbClr val="0070C0"/>
+                </a:solidFill>
+              </a:rPr>
+              <a:t>Vison-haptic visualization: </a:t>
+            </a:r>
+            <a:r>
+              <a:rPr lang="en-US" sz="2000" dirty="0"/>
+              <a:t>touchable keyboard + note dragging (real keyboard not feasible)</a:t>
+            </a:r>
+          </a:p>
+        </p:txBody>
+      </p:sp>
+      <p:sp>
+        <p:nvSpPr>
+          <p:cNvPr id="5" name="Foliennummernplatzhalter 4">
+            <a:extLst>
+              <a:ext uri="{FF2B5EF4-FFF2-40B4-BE49-F238E27FC236}">
+                <a16:creationId xmlns:a16="http://schemas.microsoft.com/office/drawing/2014/main" id="{E0BB01CA-D68C-E83E-A61C-FDF5B19752B6}"/>
+              </a:ext>
+            </a:extLst>
+          </p:cNvPr>
           <p:cNvSpPr>
             <a:spLocks noGrp="1"/>
           </p:cNvSpPr>
@@ -5661,10 +6627,10 @@
       </p:sp>
       <p:sp>
         <p:nvSpPr>
-          <p:cNvPr id="7" name="Fußzeilenplatzhalter 3">
+          <p:cNvPr id="6" name="Fußzeilenplatzhalter 3">
             <a:extLst>
               <a:ext uri="{FF2B5EF4-FFF2-40B4-BE49-F238E27FC236}">
-                <a16:creationId xmlns:a16="http://schemas.microsoft.com/office/drawing/2014/main" id="{AA4E5204-69DD-EF94-BAD3-2B7CFF010390}"/>
+                <a16:creationId xmlns:a16="http://schemas.microsoft.com/office/drawing/2014/main" id="{3DBC97A1-8236-C695-1524-3A174666A158}"/>
               </a:ext>
             </a:extLst>
           </p:cNvPr>
@@ -5701,7 +6667,7 @@
     </p:spTree>
     <p:extLst>
       <p:ext uri="{BB962C8B-B14F-4D97-AF65-F5344CB8AC3E}">
-        <p14:creationId xmlns:p14="http://schemas.microsoft.com/office/powerpoint/2010/main" val="92932218"/>
+        <p14:creationId xmlns:p14="http://schemas.microsoft.com/office/powerpoint/2010/main" val="2033160307"/>
       </p:ext>
     </p:extLst>
   </p:cSld>

--- a/Presentation/Music Vision - Presentation.pptx
+++ b/Presentation/Music Vision - Presentation.pptx
@@ -25,8 +25,8 @@
     <p:sldId id="433" r:id="rId13"/>
     <p:sldId id="434" r:id="rId14"/>
     <p:sldId id="444" r:id="rId15"/>
-    <p:sldId id="435" r:id="rId16"/>
-    <p:sldId id="436" r:id="rId17"/>
+    <p:sldId id="445" r:id="rId16"/>
+    <p:sldId id="435" r:id="rId17"/>
     <p:sldId id="432" r:id="rId18"/>
   </p:sldIdLst>
   <p:sldSz cx="9144000" cy="6858000" type="screen4x3"/>
@@ -1667,7 +1667,7 @@
           <a:p>
             <a:fld id="{26F029D1-0E51-4CD1-88C4-2A57B9FD20F4}" type="datetime1">
               <a:rPr lang="de-DE" smtClean="0"/>
-              <a:t>27.12.2022</a:t>
+              <a:t>07.01.2023</a:t>
             </a:fld>
             <a:endParaRPr lang="de-DE"/>
           </a:p>
@@ -1981,7 +1981,7 @@
           <a:p>
             <a:fld id="{65D0F3F7-04DB-4AEC-9E69-2E4A08EAFC85}" type="datetime1">
               <a:rPr lang="de-DE" smtClean="0"/>
-              <a:t>27.12.2022</a:t>
+              <a:t>07.01.2023</a:t>
             </a:fld>
             <a:endParaRPr lang="de-DE"/>
           </a:p>
@@ -2265,7 +2265,7 @@
           <a:p>
             <a:fld id="{A3F98BD5-533E-488D-B096-49AD9C23EE3C}" type="datetime1">
               <a:rPr lang="de-DE" smtClean="0"/>
-              <a:t>27.12.2022</a:t>
+              <a:t>07.01.2023</a:t>
             </a:fld>
             <a:endParaRPr lang="de-DE"/>
           </a:p>
@@ -4377,7 +4377,13 @@
       </p:grpSpPr>
       <p:sp>
         <p:nvSpPr>
-          <p:cNvPr id="2" name="Titel 1"/>
+          <p:cNvPr id="2" name="Titel 1">
+            <a:extLst>
+              <a:ext uri="{FF2B5EF4-FFF2-40B4-BE49-F238E27FC236}">
+                <a16:creationId xmlns:a16="http://schemas.microsoft.com/office/drawing/2014/main" id="{9E1790E7-6DDD-1904-3FF7-D683F59A49E3}"/>
+              </a:ext>
+            </a:extLst>
+          </p:cNvPr>
           <p:cNvSpPr>
             <a:spLocks noGrp="1"/>
           </p:cNvSpPr>
@@ -4390,28 +4396,28 @@
           <a:bodyPr/>
           <a:lstStyle/>
           <a:p>
-            <a:r>
-              <a:rPr lang="de-DE" dirty="0" err="1"/>
-              <a:t>Discussion</a:t>
-            </a:r>
-            <a:r>
-              <a:rPr lang="de-DE" dirty="0"/>
-              <a:t> / </a:t>
-            </a:r>
-            <a:r>
-              <a:rPr lang="de-DE" dirty="0" err="1"/>
-              <a:t>Suggested</a:t>
-            </a:r>
-            <a:r>
-              <a:rPr lang="de-DE" dirty="0"/>
-              <a:t> Future Work</a:t>
-            </a:r>
-          </a:p>
-        </p:txBody>
-      </p:sp>
-      <p:sp>
-        <p:nvSpPr>
-          <p:cNvPr id="3" name="Inhaltsplatzhalter 2"/>
+            <a:pPr algn="ctr"/>
+            <a:r>
+              <a:rPr lang="en-US" dirty="0"/>
+              <a:t>Key </a:t>
+            </a:r>
+            <a:r>
+              <a:rPr lang="en-US" dirty="0" err="1"/>
+              <a:t>Takaways</a:t>
+            </a:r>
+            <a:endParaRPr lang="en-US" dirty="0"/>
+          </a:p>
+        </p:txBody>
+      </p:sp>
+      <p:sp>
+        <p:nvSpPr>
+          <p:cNvPr id="3" name="Inhaltsplatzhalter 2">
+            <a:extLst>
+              <a:ext uri="{FF2B5EF4-FFF2-40B4-BE49-F238E27FC236}">
+                <a16:creationId xmlns:a16="http://schemas.microsoft.com/office/drawing/2014/main" id="{A37BF3FB-892E-F7F1-C51E-A692B125C601}"/>
+              </a:ext>
+            </a:extLst>
+          </p:cNvPr>
           <p:cNvSpPr>
             <a:spLocks noGrp="1"/>
           </p:cNvSpPr>
@@ -4424,13 +4430,107 @@
           <a:bodyPr/>
           <a:lstStyle/>
           <a:p>
-            <a:endParaRPr lang="de-DE"/>
-          </a:p>
-        </p:txBody>
-      </p:sp>
-      <p:sp>
-        <p:nvSpPr>
-          <p:cNvPr id="5" name="Foliennummernplatzhalter 4"/>
+            <a:pPr marL="0" indent="0">
+              <a:buNone/>
+            </a:pPr>
+            <a:r>
+              <a:rPr lang="en-US" b="1" dirty="0"/>
+              <a:t>Software Design:</a:t>
+            </a:r>
+          </a:p>
+          <a:p>
+            <a:r>
+              <a:rPr lang="en-US" sz="2200" dirty="0"/>
+              <a:t>Notes ≠ Keys</a:t>
+            </a:r>
+          </a:p>
+          <a:p>
+            <a:r>
+              <a:rPr lang="en-US" sz="2200" dirty="0"/>
+              <a:t>Multidirectional messaging/input can get confusing</a:t>
+            </a:r>
+          </a:p>
+          <a:p>
+            <a:r>
+              <a:rPr lang="en-US" sz="2200" dirty="0"/>
+              <a:t>One tone</a:t>
+            </a:r>
+          </a:p>
+          <a:p>
+            <a:pPr>
+              <a:buFont typeface="Wingdings" panose="05000000000000000000" pitchFamily="2" charset="2"/>
+              <a:buChar char="Ø"/>
+            </a:pPr>
+            <a:r>
+              <a:rPr lang="en-US" sz="2200" dirty="0"/>
+              <a:t>Plan these systems in great detail</a:t>
+            </a:r>
+          </a:p>
+          <a:p>
+            <a:pPr>
+              <a:buFont typeface="Wingdings" panose="05000000000000000000" pitchFamily="2" charset="2"/>
+              <a:buChar char="Ø"/>
+            </a:pPr>
+            <a:endParaRPr lang="en-US" sz="2300" dirty="0"/>
+          </a:p>
+          <a:p>
+            <a:pPr marL="0" indent="0">
+              <a:buNone/>
+            </a:pPr>
+            <a:r>
+              <a:rPr lang="en-US" b="1" dirty="0"/>
+              <a:t>Usability (</a:t>
+            </a:r>
+            <a:r>
+              <a:rPr lang="en-US" b="1" dirty="0" err="1"/>
+              <a:t>Hololens</a:t>
+            </a:r>
+            <a:r>
+              <a:rPr lang="en-US" b="1" dirty="0"/>
+              <a:t>):</a:t>
+            </a:r>
+          </a:p>
+          <a:p>
+            <a:r>
+              <a:rPr lang="en-US" sz="2200" dirty="0"/>
+              <a:t>Limited field of view	=&gt;	creative solutions</a:t>
+            </a:r>
+          </a:p>
+          <a:p>
+            <a:r>
+              <a:rPr lang="en-US" sz="2200" dirty="0"/>
+              <a:t>Barrier of entry		=&gt;	gesture needed?</a:t>
+            </a:r>
+          </a:p>
+          <a:p>
+            <a:pPr marL="0" indent="0">
+              <a:buNone/>
+            </a:pPr>
+            <a:r>
+              <a:rPr lang="en-US" sz="2200" dirty="0"/>
+              <a:t>					good tutorials</a:t>
+            </a:r>
+          </a:p>
+          <a:p>
+            <a:r>
+              <a:rPr lang="en-US" sz="2200" dirty="0"/>
+              <a:t>Hand Tracking limited	=&gt;	only simple tasks</a:t>
+            </a:r>
+          </a:p>
+          <a:p>
+            <a:endParaRPr lang="en-US" dirty="0"/>
+          </a:p>
+        </p:txBody>
+      </p:sp>
+      <p:sp>
+        <p:nvSpPr>
+          <p:cNvPr id="5" name="Foliennummernplatzhalter 4">
+            <a:extLst>
+              <a:ext uri="{FF2B5EF4-FFF2-40B4-BE49-F238E27FC236}">
+                <a16:creationId xmlns:a16="http://schemas.microsoft.com/office/drawing/2014/main" id="{B603A651-803D-D49F-73DA-04F82C6E96B0}"/>
+              </a:ext>
+            </a:extLst>
+          </p:cNvPr>
           <p:cNvSpPr>
             <a:spLocks noGrp="1"/>
           </p:cNvSpPr>
@@ -4457,7 +4557,7 @@
           <p:cNvPr id="6" name="Fußzeilenplatzhalter 3">
             <a:extLst>
               <a:ext uri="{FF2B5EF4-FFF2-40B4-BE49-F238E27FC236}">
-                <a16:creationId xmlns:a16="http://schemas.microsoft.com/office/drawing/2014/main" id="{8703FABD-EF19-A2AC-F0F0-CC0EEDD3B54B}"/>
+                <a16:creationId xmlns:a16="http://schemas.microsoft.com/office/drawing/2014/main" id="{FB6C1105-530D-E6AA-E1A0-3374B6006B26}"/>
               </a:ext>
             </a:extLst>
           </p:cNvPr>
@@ -4480,21 +4580,16 @@
           <a:p>
             <a:pPr algn="ctr"/>
             <a:r>
-              <a:rPr lang="de-DE" dirty="0"/>
-              <a:t>Leon Brooks: </a:t>
-            </a:r>
-            <a:r>
               <a:rPr lang="en-US" dirty="0"/>
-              <a:t>Development of an Augmented Reality Based eLearning Tool for Teaching the Basics of Harmonic Theory</a:t>
-            </a:r>
-            <a:endParaRPr lang="de-DE" dirty="0"/>
+              <a:t>Leon Brooks: Development of an Augmented Reality Based eLearning Tool for Teaching the Basics of Harmonic Theory</a:t>
+            </a:r>
           </a:p>
         </p:txBody>
       </p:sp>
     </p:spTree>
     <p:extLst>
       <p:ext uri="{BB962C8B-B14F-4D97-AF65-F5344CB8AC3E}">
-        <p14:creationId xmlns:p14="http://schemas.microsoft.com/office/powerpoint/2010/main" val="1040774463"/>
+        <p14:creationId xmlns:p14="http://schemas.microsoft.com/office/powerpoint/2010/main" val="1602176995"/>
       </p:ext>
     </p:extLst>
   </p:cSld>
@@ -4536,11 +4631,11 @@
           <a:bodyPr/>
           <a:lstStyle/>
           <a:p>
-            <a:r>
-              <a:rPr lang="de-DE" dirty="0" err="1"/>
-              <a:t>Conclusion</a:t>
-            </a:r>
-            <a:endParaRPr lang="de-DE" dirty="0"/>
+            <a:pPr algn="ctr"/>
+            <a:r>
+              <a:rPr lang="de-DE" dirty="0"/>
+              <a:t>Outlook</a:t>
+            </a:r>
           </a:p>
         </p:txBody>
       </p:sp>
@@ -4559,7 +4654,88 @@
           <a:bodyPr/>
           <a:lstStyle/>
           <a:p>
-            <a:endParaRPr lang="de-DE"/>
+            <a:r>
+              <a:rPr lang="en-US" sz="2600" b="1" dirty="0">
+                <a:solidFill>
+                  <a:schemeClr val="tx2"/>
+                </a:solidFill>
+              </a:rPr>
+              <a:t>Physical Keyboard</a:t>
+            </a:r>
+            <a:r>
+              <a:rPr lang="en-US" sz="2800" dirty="0"/>
+              <a:t>, possibly with overlay </a:t>
+            </a:r>
+          </a:p>
+          <a:p>
+            <a:pPr marL="0" indent="0">
+              <a:buNone/>
+            </a:pPr>
+            <a:r>
+              <a:rPr lang="en-US" sz="2800" dirty="0"/>
+              <a:t>   </a:t>
+            </a:r>
+            <a:r>
+              <a:rPr lang="en-US" dirty="0"/>
+              <a:t>(</a:t>
+            </a:r>
+            <a:r>
+              <a:rPr lang="en-US" sz="2200" b="1" dirty="0"/>
+              <a:t>Hackl</a:t>
+            </a:r>
+            <a:r>
+              <a:rPr lang="en-US" dirty="0"/>
+              <a:t> </a:t>
+            </a:r>
+            <a:r>
+              <a:rPr lang="en-US" sz="2300" dirty="0"/>
+              <a:t>et al; 2015 and</a:t>
+            </a:r>
+            <a:r>
+              <a:rPr lang="en-US" dirty="0"/>
+              <a:t> </a:t>
+            </a:r>
+            <a:r>
+              <a:rPr lang="en-US" sz="2200" b="1" dirty="0"/>
+              <a:t>Huang</a:t>
+            </a:r>
+            <a:r>
+              <a:rPr lang="en-US" dirty="0"/>
+              <a:t> </a:t>
+            </a:r>
+            <a:r>
+              <a:rPr lang="en-US" sz="2300" dirty="0"/>
+              <a:t>et al; 2011</a:t>
+            </a:r>
+            <a:r>
+              <a:rPr lang="en-US" dirty="0"/>
+              <a:t>)</a:t>
+            </a:r>
+          </a:p>
+          <a:p>
+            <a:pPr marL="0" indent="0">
+              <a:buNone/>
+            </a:pPr>
+            <a:endParaRPr lang="en-US" sz="2800" dirty="0"/>
+          </a:p>
+          <a:p>
+            <a:r>
+              <a:rPr lang="en-US" sz="2800" dirty="0"/>
+              <a:t>Gamification</a:t>
+            </a:r>
+          </a:p>
+          <a:p>
+            <a:r>
+              <a:rPr lang="en-US" sz="2800" dirty="0"/>
+              <a:t>Narrative</a:t>
+            </a:r>
+          </a:p>
+          <a:p>
+            <a:r>
+              <a:rPr lang="en-US" sz="2800" dirty="0"/>
+              <a:t>More pedagogy</a:t>
+            </a:r>
+            <a:endParaRPr lang="en-US" dirty="0"/>
           </a:p>
         </p:txBody>
       </p:sp>
@@ -4592,7 +4768,7 @@
           <p:cNvPr id="6" name="Fußzeilenplatzhalter 3">
             <a:extLst>
               <a:ext uri="{FF2B5EF4-FFF2-40B4-BE49-F238E27FC236}">
-                <a16:creationId xmlns:a16="http://schemas.microsoft.com/office/drawing/2014/main" id="{EB97BFF9-2452-C6D5-FB94-E470FD2C5036}"/>
+                <a16:creationId xmlns:a16="http://schemas.microsoft.com/office/drawing/2014/main" id="{8703FABD-EF19-A2AC-F0F0-CC0EEDD3B54B}"/>
               </a:ext>
             </a:extLst>
           </p:cNvPr>
@@ -4629,7 +4805,7 @@
     </p:spTree>
     <p:extLst>
       <p:ext uri="{BB962C8B-B14F-4D97-AF65-F5344CB8AC3E}">
-        <p14:creationId xmlns:p14="http://schemas.microsoft.com/office/powerpoint/2010/main" val="2451941031"/>
+        <p14:creationId xmlns:p14="http://schemas.microsoft.com/office/powerpoint/2010/main" val="1040774463"/>
       </p:ext>
     </p:extLst>
   </p:cSld>

--- a/Presentation/Music Vision - Presentation.pptx
+++ b/Presentation/Music Vision - Presentation.pptx
@@ -27,7 +27,7 @@
     <p:sldId id="444" r:id="rId15"/>
     <p:sldId id="445" r:id="rId16"/>
     <p:sldId id="435" r:id="rId17"/>
-    <p:sldId id="432" r:id="rId18"/>
+    <p:sldId id="446" r:id="rId18"/>
   </p:sldIdLst>
   <p:sldSz cx="9144000" cy="6858000" type="screen4x3"/>
   <p:notesSz cx="6858000" cy="9144000"/>
@@ -1667,7 +1667,7 @@
           <a:p>
             <a:fld id="{26F029D1-0E51-4CD1-88C4-2A57B9FD20F4}" type="datetime1">
               <a:rPr lang="de-DE" smtClean="0"/>
-              <a:t>07.01.2023</a:t>
+              <a:t>19.01.2023</a:t>
             </a:fld>
             <a:endParaRPr lang="de-DE"/>
           </a:p>
@@ -1981,7 +1981,7 @@
           <a:p>
             <a:fld id="{65D0F3F7-04DB-4AEC-9E69-2E4A08EAFC85}" type="datetime1">
               <a:rPr lang="de-DE" smtClean="0"/>
-              <a:t>07.01.2023</a:t>
+              <a:t>19.01.2023</a:t>
             </a:fld>
             <a:endParaRPr lang="de-DE"/>
           </a:p>
@@ -2265,7 +2265,7 @@
           <a:p>
             <a:fld id="{A3F98BD5-533E-488D-B096-49AD9C23EE3C}" type="datetime1">
               <a:rPr lang="de-DE" smtClean="0"/>
-              <a:t>07.01.2023</a:t>
+              <a:t>19.01.2023</a:t>
             </a:fld>
             <a:endParaRPr lang="de-DE"/>
           </a:p>
@@ -3570,6 +3570,9 @@
   <p:clrMapOvr>
     <a:masterClrMapping/>
   </p:clrMapOvr>
+  <p:transition spd="slow">
+    <p:push dir="u"/>
+  </p:transition>
 </p:sld>
 </file>
 
@@ -3734,6 +3737,9 @@
   <p:clrMapOvr>
     <a:masterClrMapping/>
   </p:clrMapOvr>
+  <p:transition spd="slow">
+    <p:push dir="u"/>
+  </p:transition>
 </p:sld>
 </file>
 
@@ -3935,6 +3941,9 @@
   <p:clrMapOvr>
     <a:masterClrMapping/>
   </p:clrMapOvr>
+  <p:transition spd="med">
+    <p:pull/>
+  </p:transition>
 </p:sld>
 </file>
 
@@ -4112,6 +4121,9 @@
   <p:clrMapOvr>
     <a:masterClrMapping/>
   </p:clrMapOvr>
+  <p:transition spd="med">
+    <p:pull/>
+  </p:transition>
 </p:sld>
 </file>
 
@@ -4355,6 +4367,9 @@
   <p:clrMapOvr>
     <a:masterClrMapping/>
   </p:clrMapOvr>
+  <p:transition spd="slow">
+    <p:push dir="u"/>
+  </p:transition>
 </p:sld>
 </file>
 
@@ -4399,13 +4414,8 @@
             <a:pPr algn="ctr"/>
             <a:r>
               <a:rPr lang="en-US" dirty="0"/>
-              <a:t>Key </a:t>
-            </a:r>
-            <a:r>
-              <a:rPr lang="en-US" dirty="0" err="1"/>
-              <a:t>Takaways</a:t>
-            </a:r>
-            <a:endParaRPr lang="en-US" dirty="0"/>
+              <a:t>Key Takeaways</a:t>
+            </a:r>
           </a:p>
         </p:txBody>
       </p:sp>
@@ -4447,13 +4457,13 @@
           <a:p>
             <a:r>
               <a:rPr lang="en-US" sz="2200" dirty="0"/>
+              <a:t>One tone</a:t>
+            </a:r>
+          </a:p>
+          <a:p>
+            <a:r>
+              <a:rPr lang="en-US" sz="2200" dirty="0"/>
               <a:t>Multidirectional messaging/input can get confusing</a:t>
-            </a:r>
-          </a:p>
-          <a:p>
-            <a:r>
-              <a:rPr lang="en-US" sz="2200" dirty="0"/>
-              <a:t>One tone</a:t>
             </a:r>
           </a:p>
           <a:p>
@@ -4596,6 +4606,272 @@
   <p:clrMapOvr>
     <a:masterClrMapping/>
   </p:clrMapOvr>
+  <p:transition spd="med">
+    <p:pull/>
+  </p:transition>
+  <p:timing>
+    <p:tnLst>
+      <p:par>
+        <p:cTn id="1" dur="indefinite" restart="never" nodeType="tmRoot">
+          <p:childTnLst>
+            <p:seq concurrent="1" nextAc="seek">
+              <p:cTn id="2" dur="indefinite" nodeType="mainSeq">
+                <p:childTnLst>
+                  <p:par>
+                    <p:cTn id="3" fill="hold">
+                      <p:stCondLst>
+                        <p:cond delay="indefinite"/>
+                      </p:stCondLst>
+                      <p:childTnLst>
+                        <p:par>
+                          <p:cTn id="4" fill="hold">
+                            <p:stCondLst>
+                              <p:cond delay="0"/>
+                            </p:stCondLst>
+                            <p:childTnLst>
+                              <p:par>
+                                <p:cTn id="5" presetID="10" presetClass="entr" presetSubtype="0" fill="hold" nodeType="clickEffect">
+                                  <p:stCondLst>
+                                    <p:cond delay="0"/>
+                                  </p:stCondLst>
+                                  <p:childTnLst>
+                                    <p:set>
+                                      <p:cBhvr>
+                                        <p:cTn id="6" dur="1" fill="hold">
+                                          <p:stCondLst>
+                                            <p:cond delay="0"/>
+                                          </p:stCondLst>
+                                        </p:cTn>
+                                        <p:tgtEl>
+                                          <p:spTgt spid="3">
+                                            <p:txEl>
+                                              <p:pRg st="6" end="6"/>
+                                            </p:txEl>
+                                          </p:spTgt>
+                                        </p:tgtEl>
+                                        <p:attrNameLst>
+                                          <p:attrName>style.visibility</p:attrName>
+                                        </p:attrNameLst>
+                                      </p:cBhvr>
+                                      <p:to>
+                                        <p:strVal val="visible"/>
+                                      </p:to>
+                                    </p:set>
+                                    <p:animEffect transition="in" filter="fade">
+                                      <p:cBhvr>
+                                        <p:cTn id="7" dur="500"/>
+                                        <p:tgtEl>
+                                          <p:spTgt spid="3">
+                                            <p:txEl>
+                                              <p:pRg st="6" end="6"/>
+                                            </p:txEl>
+                                          </p:spTgt>
+                                        </p:tgtEl>
+                                      </p:cBhvr>
+                                    </p:animEffect>
+                                  </p:childTnLst>
+                                </p:cTn>
+                              </p:par>
+                              <p:par>
+                                <p:cTn id="8" presetID="10" presetClass="entr" presetSubtype="0" fill="hold" nodeType="withEffect">
+                                  <p:stCondLst>
+                                    <p:cond delay="0"/>
+                                  </p:stCondLst>
+                                  <p:childTnLst>
+                                    <p:set>
+                                      <p:cBhvr>
+                                        <p:cTn id="9" dur="1" fill="hold">
+                                          <p:stCondLst>
+                                            <p:cond delay="0"/>
+                                          </p:stCondLst>
+                                        </p:cTn>
+                                        <p:tgtEl>
+                                          <p:spTgt spid="3">
+                                            <p:txEl>
+                                              <p:pRg st="7" end="7"/>
+                                            </p:txEl>
+                                          </p:spTgt>
+                                        </p:tgtEl>
+                                        <p:attrNameLst>
+                                          <p:attrName>style.visibility</p:attrName>
+                                        </p:attrNameLst>
+                                      </p:cBhvr>
+                                      <p:to>
+                                        <p:strVal val="visible"/>
+                                      </p:to>
+                                    </p:set>
+                                    <p:animEffect transition="in" filter="fade">
+                                      <p:cBhvr>
+                                        <p:cTn id="10" dur="500"/>
+                                        <p:tgtEl>
+                                          <p:spTgt spid="3">
+                                            <p:txEl>
+                                              <p:pRg st="7" end="7"/>
+                                            </p:txEl>
+                                          </p:spTgt>
+                                        </p:tgtEl>
+                                      </p:cBhvr>
+                                    </p:animEffect>
+                                  </p:childTnLst>
+                                </p:cTn>
+                              </p:par>
+                              <p:par>
+                                <p:cTn id="11" presetID="10" presetClass="entr" presetSubtype="0" fill="hold" nodeType="withEffect">
+                                  <p:stCondLst>
+                                    <p:cond delay="0"/>
+                                  </p:stCondLst>
+                                  <p:childTnLst>
+                                    <p:set>
+                                      <p:cBhvr>
+                                        <p:cTn id="12" dur="1" fill="hold">
+                                          <p:stCondLst>
+                                            <p:cond delay="0"/>
+                                          </p:stCondLst>
+                                        </p:cTn>
+                                        <p:tgtEl>
+                                          <p:spTgt spid="3">
+                                            <p:txEl>
+                                              <p:pRg st="8" end="8"/>
+                                            </p:txEl>
+                                          </p:spTgt>
+                                        </p:tgtEl>
+                                        <p:attrNameLst>
+                                          <p:attrName>style.visibility</p:attrName>
+                                        </p:attrNameLst>
+                                      </p:cBhvr>
+                                      <p:to>
+                                        <p:strVal val="visible"/>
+                                      </p:to>
+                                    </p:set>
+                                    <p:animEffect transition="in" filter="fade">
+                                      <p:cBhvr>
+                                        <p:cTn id="13" dur="500"/>
+                                        <p:tgtEl>
+                                          <p:spTgt spid="3">
+                                            <p:txEl>
+                                              <p:pRg st="8" end="8"/>
+                                            </p:txEl>
+                                          </p:spTgt>
+                                        </p:tgtEl>
+                                      </p:cBhvr>
+                                    </p:animEffect>
+                                  </p:childTnLst>
+                                </p:cTn>
+                              </p:par>
+                              <p:par>
+                                <p:cTn id="14" presetID="10" presetClass="entr" presetSubtype="0" fill="hold" nodeType="withEffect">
+                                  <p:stCondLst>
+                                    <p:cond delay="0"/>
+                                  </p:stCondLst>
+                                  <p:childTnLst>
+                                    <p:set>
+                                      <p:cBhvr>
+                                        <p:cTn id="15" dur="1" fill="hold">
+                                          <p:stCondLst>
+                                            <p:cond delay="0"/>
+                                          </p:stCondLst>
+                                        </p:cTn>
+                                        <p:tgtEl>
+                                          <p:spTgt spid="3">
+                                            <p:txEl>
+                                              <p:pRg st="9" end="9"/>
+                                            </p:txEl>
+                                          </p:spTgt>
+                                        </p:tgtEl>
+                                        <p:attrNameLst>
+                                          <p:attrName>style.visibility</p:attrName>
+                                        </p:attrNameLst>
+                                      </p:cBhvr>
+                                      <p:to>
+                                        <p:strVal val="visible"/>
+                                      </p:to>
+                                    </p:set>
+                                    <p:animEffect transition="in" filter="fade">
+                                      <p:cBhvr>
+                                        <p:cTn id="16" dur="500"/>
+                                        <p:tgtEl>
+                                          <p:spTgt spid="3">
+                                            <p:txEl>
+                                              <p:pRg st="9" end="9"/>
+                                            </p:txEl>
+                                          </p:spTgt>
+                                        </p:tgtEl>
+                                      </p:cBhvr>
+                                    </p:animEffect>
+                                  </p:childTnLst>
+                                </p:cTn>
+                              </p:par>
+                              <p:par>
+                                <p:cTn id="17" presetID="10" presetClass="entr" presetSubtype="0" fill="hold" nodeType="withEffect">
+                                  <p:stCondLst>
+                                    <p:cond delay="0"/>
+                                  </p:stCondLst>
+                                  <p:childTnLst>
+                                    <p:set>
+                                      <p:cBhvr>
+                                        <p:cTn id="18" dur="1" fill="hold">
+                                          <p:stCondLst>
+                                            <p:cond delay="0"/>
+                                          </p:stCondLst>
+                                        </p:cTn>
+                                        <p:tgtEl>
+                                          <p:spTgt spid="3">
+                                            <p:txEl>
+                                              <p:pRg st="10" end="10"/>
+                                            </p:txEl>
+                                          </p:spTgt>
+                                        </p:tgtEl>
+                                        <p:attrNameLst>
+                                          <p:attrName>style.visibility</p:attrName>
+                                        </p:attrNameLst>
+                                      </p:cBhvr>
+                                      <p:to>
+                                        <p:strVal val="visible"/>
+                                      </p:to>
+                                    </p:set>
+                                    <p:animEffect transition="in" filter="fade">
+                                      <p:cBhvr>
+                                        <p:cTn id="19" dur="500"/>
+                                        <p:tgtEl>
+                                          <p:spTgt spid="3">
+                                            <p:txEl>
+                                              <p:pRg st="10" end="10"/>
+                                            </p:txEl>
+                                          </p:spTgt>
+                                        </p:tgtEl>
+                                      </p:cBhvr>
+                                    </p:animEffect>
+                                  </p:childTnLst>
+                                </p:cTn>
+                              </p:par>
+                            </p:childTnLst>
+                          </p:cTn>
+                        </p:par>
+                      </p:childTnLst>
+                    </p:cTn>
+                  </p:par>
+                </p:childTnLst>
+              </p:cTn>
+              <p:prevCondLst>
+                <p:cond evt="onPrev" delay="0">
+                  <p:tgtEl>
+                    <p:sldTgt/>
+                  </p:tgtEl>
+                </p:cond>
+              </p:prevCondLst>
+              <p:nextCondLst>
+                <p:cond evt="onNext" delay="0">
+                  <p:tgtEl>
+                    <p:sldTgt/>
+                  </p:tgtEl>
+                </p:cond>
+              </p:nextCondLst>
+            </p:seq>
+          </p:childTnLst>
+        </p:cTn>
+      </p:par>
+    </p:tnLst>
+  </p:timing>
 </p:sld>
 </file>
 
@@ -4812,6 +5088,9 @@
   <p:clrMapOvr>
     <a:masterClrMapping/>
   </p:clrMapOvr>
+  <p:transition spd="med">
+    <p:pull/>
+  </p:transition>
 </p:sld>
 </file>
 
@@ -4834,7 +5113,13 @@
       </p:grpSpPr>
       <p:sp>
         <p:nvSpPr>
-          <p:cNvPr id="2" name="Titel 1"/>
+          <p:cNvPr id="2" name="Titel 1">
+            <a:extLst>
+              <a:ext uri="{FF2B5EF4-FFF2-40B4-BE49-F238E27FC236}">
+                <a16:creationId xmlns:a16="http://schemas.microsoft.com/office/drawing/2014/main" id="{8703EC5E-9E8C-6B99-4585-9528389E42A1}"/>
+              </a:ext>
+            </a:extLst>
+          </p:cNvPr>
           <p:cNvSpPr>
             <a:spLocks noGrp="1"/>
           </p:cNvSpPr>
@@ -4842,72 +5127,33 @@
             <p:ph type="title"/>
           </p:nvPr>
         </p:nvSpPr>
-        <p:spPr/>
+        <p:spPr>
+          <a:xfrm>
+            <a:off x="508000" y="3124200"/>
+            <a:ext cx="8128000" cy="609600"/>
+          </a:xfrm>
+        </p:spPr>
         <p:txBody>
           <a:bodyPr/>
           <a:lstStyle/>
           <a:p>
-            <a:r>
-              <a:rPr lang="de-DE" dirty="0"/>
-              <a:t>List </a:t>
-            </a:r>
-            <a:r>
-              <a:rPr lang="de-DE" dirty="0" err="1"/>
-              <a:t>of</a:t>
-            </a:r>
-            <a:r>
-              <a:rPr lang="de-DE" dirty="0"/>
-              <a:t> References</a:t>
-            </a:r>
-          </a:p>
-        </p:txBody>
-      </p:sp>
-      <p:sp>
-        <p:nvSpPr>
-          <p:cNvPr id="3" name="Inhaltsplatzhalter 2"/>
-          <p:cNvSpPr>
-            <a:spLocks noGrp="1"/>
-          </p:cNvSpPr>
-          <p:nvPr>
-            <p:ph idx="1"/>
-          </p:nvPr>
-        </p:nvSpPr>
-        <p:spPr/>
-        <p:txBody>
-          <a:bodyPr/>
-          <a:lstStyle/>
-          <a:p>
-            <a:pPr marL="457200" indent="-457200">
-              <a:buFont typeface="+mj-lt"/>
-              <a:buAutoNum type="arabicPeriod"/>
-            </a:pPr>
-            <a:r>
-              <a:rPr lang="de-DE" dirty="0"/>
-              <a:t>…</a:t>
-            </a:r>
-          </a:p>
-          <a:p>
-            <a:pPr marL="457200" indent="-457200">
-              <a:buFont typeface="+mj-lt"/>
-              <a:buAutoNum type="arabicPeriod"/>
-            </a:pPr>
-            <a:r>
-              <a:rPr lang="de-DE" dirty="0"/>
-              <a:t>…</a:t>
-            </a:r>
-          </a:p>
-          <a:p>
-            <a:pPr marL="457200" indent="-457200">
-              <a:buFont typeface="+mj-lt"/>
-              <a:buAutoNum type="arabicPeriod"/>
-            </a:pPr>
-            <a:endParaRPr lang="de-DE" dirty="0"/>
-          </a:p>
-        </p:txBody>
-      </p:sp>
-      <p:sp>
-        <p:nvSpPr>
-          <p:cNvPr id="5" name="Foliennummernplatzhalter 4"/>
+            <a:pPr algn="ctr"/>
+            <a:r>
+              <a:rPr lang="en-US" sz="3600" dirty="0"/>
+              <a:t>Questions?</a:t>
+            </a:r>
+          </a:p>
+        </p:txBody>
+      </p:sp>
+      <p:sp>
+        <p:nvSpPr>
+          <p:cNvPr id="5" name="Foliennummernplatzhalter 4">
+            <a:extLst>
+              <a:ext uri="{FF2B5EF4-FFF2-40B4-BE49-F238E27FC236}">
+                <a16:creationId xmlns:a16="http://schemas.microsoft.com/office/drawing/2014/main" id="{EC3D5764-2B75-B4CE-96D1-DBFF4E1AB919}"/>
+              </a:ext>
+            </a:extLst>
+          </p:cNvPr>
           <p:cNvSpPr>
             <a:spLocks noGrp="1"/>
           </p:cNvSpPr>
@@ -4934,7 +5180,7 @@
           <p:cNvPr id="6" name="Fußzeilenplatzhalter 3">
             <a:extLst>
               <a:ext uri="{FF2B5EF4-FFF2-40B4-BE49-F238E27FC236}">
-                <a16:creationId xmlns:a16="http://schemas.microsoft.com/office/drawing/2014/main" id="{D6AF8B14-51D2-70FB-D157-BCAE266E6D15}"/>
+                <a16:creationId xmlns:a16="http://schemas.microsoft.com/office/drawing/2014/main" id="{F2353699-958E-6702-F5D0-362D06929D86}"/>
               </a:ext>
             </a:extLst>
           </p:cNvPr>
@@ -4971,13 +5217,16 @@
     </p:spTree>
     <p:extLst>
       <p:ext uri="{BB962C8B-B14F-4D97-AF65-F5344CB8AC3E}">
-        <p14:creationId xmlns:p14="http://schemas.microsoft.com/office/powerpoint/2010/main" val="2826504569"/>
+        <p14:creationId xmlns:p14="http://schemas.microsoft.com/office/powerpoint/2010/main" val="2960988342"/>
       </p:ext>
     </p:extLst>
   </p:cSld>
   <p:clrMapOvr>
     <a:masterClrMapping/>
   </p:clrMapOvr>
+  <p:transition spd="med">
+    <p:pull/>
+  </p:transition>
 </p:sld>
 </file>
 
@@ -5072,6 +5321,13 @@
           </a:p>
           <a:p>
             <a:r>
+              <a:rPr lang="en-US" dirty="0" err="1"/>
+              <a:t>Hololens</a:t>
+            </a:r>
+            <a:endParaRPr lang="en-US" dirty="0"/>
+          </a:p>
+          <a:p>
+            <a:r>
               <a:rPr lang="en-US" dirty="0"/>
               <a:t>Could not find research on this specific combination of topics</a:t>
             </a:r>
@@ -5140,6 +5396,18 @@
   <p:clrMapOvr>
     <a:masterClrMapping/>
   </p:clrMapOvr>
+  <mc:AlternateContent xmlns:mc="http://schemas.openxmlformats.org/markup-compatibility/2006">
+    <mc:Choice xmlns:p14="http://schemas.microsoft.com/office/powerpoint/2010/main" Requires="p14">
+      <p:transition spd="slow" p14:dur="1500">
+        <p14:window dir="vert"/>
+      </p:transition>
+    </mc:Choice>
+    <mc:Fallback>
+      <p:transition spd="slow">
+        <p:fade/>
+      </p:transition>
+    </mc:Fallback>
+  </mc:AlternateContent>
 </p:sld>
 </file>
 
@@ -5175,9 +5443,10 @@
           <a:bodyPr/>
           <a:lstStyle/>
           <a:p>
+            <a:pPr algn="ctr"/>
             <a:r>
               <a:rPr lang="en-US" dirty="0"/>
-              <a:t>Problem Description: Issues</a:t>
+              <a:t>Plan</a:t>
             </a:r>
           </a:p>
         </p:txBody>
@@ -5335,6 +5604,9 @@
   <p:clrMapOvr>
     <a:masterClrMapping/>
   </p:clrMapOvr>
+  <p:transition spd="med">
+    <p:pull/>
+  </p:transition>
 </p:sld>
 </file>
 
@@ -5580,6 +5852,9 @@
   <p:clrMapOvr>
     <a:masterClrMapping/>
   </p:clrMapOvr>
+  <p:transition spd="med">
+    <p:pull/>
+  </p:transition>
 </p:sld>
 </file>
 
@@ -5951,6 +6226,9 @@
   <p:clrMapOvr>
     <a:masterClrMapping/>
   </p:clrMapOvr>
+  <p:transition spd="slow">
+    <p:push dir="u"/>
+  </p:transition>
 </p:sld>
 </file>
 
@@ -6222,6 +6500,229 @@
   <p:clrMapOvr>
     <a:masterClrMapping/>
   </p:clrMapOvr>
+  <p:transition spd="slow">
+    <p:push dir="u"/>
+  </p:transition>
+  <p:timing>
+    <p:tnLst>
+      <p:par>
+        <p:cTn id="1" dur="indefinite" restart="never" nodeType="tmRoot">
+          <p:childTnLst>
+            <p:seq concurrent="1" nextAc="seek">
+              <p:cTn id="2" dur="indefinite" nodeType="mainSeq">
+                <p:childTnLst>
+                  <p:par>
+                    <p:cTn id="3" fill="hold">
+                      <p:stCondLst>
+                        <p:cond delay="indefinite"/>
+                      </p:stCondLst>
+                      <p:childTnLst>
+                        <p:par>
+                          <p:cTn id="4" fill="hold">
+                            <p:stCondLst>
+                              <p:cond delay="0"/>
+                            </p:stCondLst>
+                            <p:childTnLst>
+                              <p:par>
+                                <p:cTn id="5" presetID="10" presetClass="entr" presetSubtype="0" fill="hold" nodeType="clickEffect">
+                                  <p:stCondLst>
+                                    <p:cond delay="0"/>
+                                  </p:stCondLst>
+                                  <p:childTnLst>
+                                    <p:set>
+                                      <p:cBhvr>
+                                        <p:cTn id="6" dur="1" fill="hold">
+                                          <p:stCondLst>
+                                            <p:cond delay="0"/>
+                                          </p:stCondLst>
+                                        </p:cTn>
+                                        <p:tgtEl>
+                                          <p:spTgt spid="3">
+                                            <p:txEl>
+                                              <p:pRg st="6" end="6"/>
+                                            </p:txEl>
+                                          </p:spTgt>
+                                        </p:tgtEl>
+                                        <p:attrNameLst>
+                                          <p:attrName>style.visibility</p:attrName>
+                                        </p:attrNameLst>
+                                      </p:cBhvr>
+                                      <p:to>
+                                        <p:strVal val="visible"/>
+                                      </p:to>
+                                    </p:set>
+                                    <p:animEffect transition="in" filter="fade">
+                                      <p:cBhvr>
+                                        <p:cTn id="7" dur="500"/>
+                                        <p:tgtEl>
+                                          <p:spTgt spid="3">
+                                            <p:txEl>
+                                              <p:pRg st="6" end="6"/>
+                                            </p:txEl>
+                                          </p:spTgt>
+                                        </p:tgtEl>
+                                      </p:cBhvr>
+                                    </p:animEffect>
+                                  </p:childTnLst>
+                                </p:cTn>
+                              </p:par>
+                              <p:par>
+                                <p:cTn id="8" presetID="10" presetClass="entr" presetSubtype="0" fill="hold" nodeType="withEffect">
+                                  <p:stCondLst>
+                                    <p:cond delay="0"/>
+                                  </p:stCondLst>
+                                  <p:childTnLst>
+                                    <p:set>
+                                      <p:cBhvr>
+                                        <p:cTn id="9" dur="1" fill="hold">
+                                          <p:stCondLst>
+                                            <p:cond delay="0"/>
+                                          </p:stCondLst>
+                                        </p:cTn>
+                                        <p:tgtEl>
+                                          <p:spTgt spid="3">
+                                            <p:txEl>
+                                              <p:pRg st="7" end="7"/>
+                                            </p:txEl>
+                                          </p:spTgt>
+                                        </p:tgtEl>
+                                        <p:attrNameLst>
+                                          <p:attrName>style.visibility</p:attrName>
+                                        </p:attrNameLst>
+                                      </p:cBhvr>
+                                      <p:to>
+                                        <p:strVal val="visible"/>
+                                      </p:to>
+                                    </p:set>
+                                    <p:animEffect transition="in" filter="fade">
+                                      <p:cBhvr>
+                                        <p:cTn id="10" dur="500"/>
+                                        <p:tgtEl>
+                                          <p:spTgt spid="3">
+                                            <p:txEl>
+                                              <p:pRg st="7" end="7"/>
+                                            </p:txEl>
+                                          </p:spTgt>
+                                        </p:tgtEl>
+                                      </p:cBhvr>
+                                    </p:animEffect>
+                                  </p:childTnLst>
+                                </p:cTn>
+                              </p:par>
+                              <p:par>
+                                <p:cTn id="11" presetID="10" presetClass="entr" presetSubtype="0" fill="hold" nodeType="withEffect">
+                                  <p:stCondLst>
+                                    <p:cond delay="0"/>
+                                  </p:stCondLst>
+                                  <p:childTnLst>
+                                    <p:set>
+                                      <p:cBhvr>
+                                        <p:cTn id="12" dur="1" fill="hold">
+                                          <p:stCondLst>
+                                            <p:cond delay="0"/>
+                                          </p:stCondLst>
+                                        </p:cTn>
+                                        <p:tgtEl>
+                                          <p:spTgt spid="3">
+                                            <p:txEl>
+                                              <p:pRg st="8" end="8"/>
+                                            </p:txEl>
+                                          </p:spTgt>
+                                        </p:tgtEl>
+                                        <p:attrNameLst>
+                                          <p:attrName>style.visibility</p:attrName>
+                                        </p:attrNameLst>
+                                      </p:cBhvr>
+                                      <p:to>
+                                        <p:strVal val="visible"/>
+                                      </p:to>
+                                    </p:set>
+                                    <p:animEffect transition="in" filter="fade">
+                                      <p:cBhvr>
+                                        <p:cTn id="13" dur="500"/>
+                                        <p:tgtEl>
+                                          <p:spTgt spid="3">
+                                            <p:txEl>
+                                              <p:pRg st="8" end="8"/>
+                                            </p:txEl>
+                                          </p:spTgt>
+                                        </p:tgtEl>
+                                      </p:cBhvr>
+                                    </p:animEffect>
+                                  </p:childTnLst>
+                                </p:cTn>
+                              </p:par>
+                              <p:par>
+                                <p:cTn id="14" presetID="10" presetClass="entr" presetSubtype="0" fill="hold" nodeType="withEffect">
+                                  <p:stCondLst>
+                                    <p:cond delay="0"/>
+                                  </p:stCondLst>
+                                  <p:childTnLst>
+                                    <p:set>
+                                      <p:cBhvr>
+                                        <p:cTn id="15" dur="1" fill="hold">
+                                          <p:stCondLst>
+                                            <p:cond delay="0"/>
+                                          </p:stCondLst>
+                                        </p:cTn>
+                                        <p:tgtEl>
+                                          <p:spTgt spid="3">
+                                            <p:txEl>
+                                              <p:pRg st="9" end="9"/>
+                                            </p:txEl>
+                                          </p:spTgt>
+                                        </p:tgtEl>
+                                        <p:attrNameLst>
+                                          <p:attrName>style.visibility</p:attrName>
+                                        </p:attrNameLst>
+                                      </p:cBhvr>
+                                      <p:to>
+                                        <p:strVal val="visible"/>
+                                      </p:to>
+                                    </p:set>
+                                    <p:animEffect transition="in" filter="fade">
+                                      <p:cBhvr>
+                                        <p:cTn id="16" dur="500"/>
+                                        <p:tgtEl>
+                                          <p:spTgt spid="3">
+                                            <p:txEl>
+                                              <p:pRg st="9" end="9"/>
+                                            </p:txEl>
+                                          </p:spTgt>
+                                        </p:tgtEl>
+                                      </p:cBhvr>
+                                    </p:animEffect>
+                                  </p:childTnLst>
+                                </p:cTn>
+                              </p:par>
+                            </p:childTnLst>
+                          </p:cTn>
+                        </p:par>
+                      </p:childTnLst>
+                    </p:cTn>
+                  </p:par>
+                </p:childTnLst>
+              </p:cTn>
+              <p:prevCondLst>
+                <p:cond evt="onPrev" delay="0">
+                  <p:tgtEl>
+                    <p:sldTgt/>
+                  </p:tgtEl>
+                </p:cond>
+              </p:prevCondLst>
+              <p:nextCondLst>
+                <p:cond evt="onNext" delay="0">
+                  <p:tgtEl>
+                    <p:sldTgt/>
+                  </p:tgtEl>
+                </p:cond>
+              </p:nextCondLst>
+            </p:seq>
+          </p:childTnLst>
+        </p:cTn>
+      </p:par>
+    </p:tnLst>
+  </p:timing>
 </p:sld>
 </file>
 
@@ -6423,6 +6924,9 @@
   <p:clrMapOvr>
     <a:masterClrMapping/>
   </p:clrMapOvr>
+  <p:transition spd="slow">
+    <p:push dir="u"/>
+  </p:transition>
 </p:sld>
 </file>
 
@@ -6606,6 +7110,9 @@
   <p:clrMapOvr>
     <a:masterClrMapping/>
   </p:clrMapOvr>
+  <p:transition spd="slow">
+    <p:push dir="u"/>
+  </p:transition>
 </p:sld>
 </file>
 
@@ -6850,6 +7357,229 @@
   <p:clrMapOvr>
     <a:masterClrMapping/>
   </p:clrMapOvr>
+  <p:transition spd="med">
+    <p:pull/>
+  </p:transition>
+  <p:timing>
+    <p:tnLst>
+      <p:par>
+        <p:cTn id="1" dur="indefinite" restart="never" nodeType="tmRoot">
+          <p:childTnLst>
+            <p:seq concurrent="1" nextAc="seek">
+              <p:cTn id="2" dur="indefinite" nodeType="mainSeq">
+                <p:childTnLst>
+                  <p:par>
+                    <p:cTn id="3" fill="hold">
+                      <p:stCondLst>
+                        <p:cond delay="indefinite"/>
+                      </p:stCondLst>
+                      <p:childTnLst>
+                        <p:par>
+                          <p:cTn id="4" fill="hold">
+                            <p:stCondLst>
+                              <p:cond delay="0"/>
+                            </p:stCondLst>
+                            <p:childTnLst>
+                              <p:par>
+                                <p:cTn id="5" presetID="10" presetClass="entr" presetSubtype="0" fill="hold" nodeType="clickEffect">
+                                  <p:stCondLst>
+                                    <p:cond delay="0"/>
+                                  </p:stCondLst>
+                                  <p:childTnLst>
+                                    <p:set>
+                                      <p:cBhvr>
+                                        <p:cTn id="6" dur="1" fill="hold">
+                                          <p:stCondLst>
+                                            <p:cond delay="0"/>
+                                          </p:stCondLst>
+                                        </p:cTn>
+                                        <p:tgtEl>
+                                          <p:spTgt spid="3">
+                                            <p:txEl>
+                                              <p:pRg st="6" end="6"/>
+                                            </p:txEl>
+                                          </p:spTgt>
+                                        </p:tgtEl>
+                                        <p:attrNameLst>
+                                          <p:attrName>style.visibility</p:attrName>
+                                        </p:attrNameLst>
+                                      </p:cBhvr>
+                                      <p:to>
+                                        <p:strVal val="visible"/>
+                                      </p:to>
+                                    </p:set>
+                                    <p:animEffect transition="in" filter="fade">
+                                      <p:cBhvr>
+                                        <p:cTn id="7" dur="500"/>
+                                        <p:tgtEl>
+                                          <p:spTgt spid="3">
+                                            <p:txEl>
+                                              <p:pRg st="6" end="6"/>
+                                            </p:txEl>
+                                          </p:spTgt>
+                                        </p:tgtEl>
+                                      </p:cBhvr>
+                                    </p:animEffect>
+                                  </p:childTnLst>
+                                </p:cTn>
+                              </p:par>
+                              <p:par>
+                                <p:cTn id="8" presetID="10" presetClass="entr" presetSubtype="0" fill="hold" nodeType="withEffect">
+                                  <p:stCondLst>
+                                    <p:cond delay="0"/>
+                                  </p:stCondLst>
+                                  <p:childTnLst>
+                                    <p:set>
+                                      <p:cBhvr>
+                                        <p:cTn id="9" dur="1" fill="hold">
+                                          <p:stCondLst>
+                                            <p:cond delay="0"/>
+                                          </p:stCondLst>
+                                        </p:cTn>
+                                        <p:tgtEl>
+                                          <p:spTgt spid="3">
+                                            <p:txEl>
+                                              <p:pRg st="7" end="7"/>
+                                            </p:txEl>
+                                          </p:spTgt>
+                                        </p:tgtEl>
+                                        <p:attrNameLst>
+                                          <p:attrName>style.visibility</p:attrName>
+                                        </p:attrNameLst>
+                                      </p:cBhvr>
+                                      <p:to>
+                                        <p:strVal val="visible"/>
+                                      </p:to>
+                                    </p:set>
+                                    <p:animEffect transition="in" filter="fade">
+                                      <p:cBhvr>
+                                        <p:cTn id="10" dur="500"/>
+                                        <p:tgtEl>
+                                          <p:spTgt spid="3">
+                                            <p:txEl>
+                                              <p:pRg st="7" end="7"/>
+                                            </p:txEl>
+                                          </p:spTgt>
+                                        </p:tgtEl>
+                                      </p:cBhvr>
+                                    </p:animEffect>
+                                  </p:childTnLst>
+                                </p:cTn>
+                              </p:par>
+                              <p:par>
+                                <p:cTn id="11" presetID="10" presetClass="entr" presetSubtype="0" fill="hold" nodeType="withEffect">
+                                  <p:stCondLst>
+                                    <p:cond delay="0"/>
+                                  </p:stCondLst>
+                                  <p:childTnLst>
+                                    <p:set>
+                                      <p:cBhvr>
+                                        <p:cTn id="12" dur="1" fill="hold">
+                                          <p:stCondLst>
+                                            <p:cond delay="0"/>
+                                          </p:stCondLst>
+                                        </p:cTn>
+                                        <p:tgtEl>
+                                          <p:spTgt spid="3">
+                                            <p:txEl>
+                                              <p:pRg st="8" end="8"/>
+                                            </p:txEl>
+                                          </p:spTgt>
+                                        </p:tgtEl>
+                                        <p:attrNameLst>
+                                          <p:attrName>style.visibility</p:attrName>
+                                        </p:attrNameLst>
+                                      </p:cBhvr>
+                                      <p:to>
+                                        <p:strVal val="visible"/>
+                                      </p:to>
+                                    </p:set>
+                                    <p:animEffect transition="in" filter="fade">
+                                      <p:cBhvr>
+                                        <p:cTn id="13" dur="500"/>
+                                        <p:tgtEl>
+                                          <p:spTgt spid="3">
+                                            <p:txEl>
+                                              <p:pRg st="8" end="8"/>
+                                            </p:txEl>
+                                          </p:spTgt>
+                                        </p:tgtEl>
+                                      </p:cBhvr>
+                                    </p:animEffect>
+                                  </p:childTnLst>
+                                </p:cTn>
+                              </p:par>
+                              <p:par>
+                                <p:cTn id="14" presetID="10" presetClass="entr" presetSubtype="0" fill="hold" nodeType="withEffect">
+                                  <p:stCondLst>
+                                    <p:cond delay="0"/>
+                                  </p:stCondLst>
+                                  <p:childTnLst>
+                                    <p:set>
+                                      <p:cBhvr>
+                                        <p:cTn id="15" dur="1" fill="hold">
+                                          <p:stCondLst>
+                                            <p:cond delay="0"/>
+                                          </p:stCondLst>
+                                        </p:cTn>
+                                        <p:tgtEl>
+                                          <p:spTgt spid="3">
+                                            <p:txEl>
+                                              <p:pRg st="9" end="9"/>
+                                            </p:txEl>
+                                          </p:spTgt>
+                                        </p:tgtEl>
+                                        <p:attrNameLst>
+                                          <p:attrName>style.visibility</p:attrName>
+                                        </p:attrNameLst>
+                                      </p:cBhvr>
+                                      <p:to>
+                                        <p:strVal val="visible"/>
+                                      </p:to>
+                                    </p:set>
+                                    <p:animEffect transition="in" filter="fade">
+                                      <p:cBhvr>
+                                        <p:cTn id="16" dur="500"/>
+                                        <p:tgtEl>
+                                          <p:spTgt spid="3">
+                                            <p:txEl>
+                                              <p:pRg st="9" end="9"/>
+                                            </p:txEl>
+                                          </p:spTgt>
+                                        </p:tgtEl>
+                                      </p:cBhvr>
+                                    </p:animEffect>
+                                  </p:childTnLst>
+                                </p:cTn>
+                              </p:par>
+                            </p:childTnLst>
+                          </p:cTn>
+                        </p:par>
+                      </p:childTnLst>
+                    </p:cTn>
+                  </p:par>
+                </p:childTnLst>
+              </p:cTn>
+              <p:prevCondLst>
+                <p:cond evt="onPrev" delay="0">
+                  <p:tgtEl>
+                    <p:sldTgt/>
+                  </p:tgtEl>
+                </p:cond>
+              </p:prevCondLst>
+              <p:nextCondLst>
+                <p:cond evt="onNext" delay="0">
+                  <p:tgtEl>
+                    <p:sldTgt/>
+                  </p:tgtEl>
+                </p:cond>
+              </p:nextCondLst>
+            </p:seq>
+          </p:childTnLst>
+        </p:cTn>
+      </p:par>
+    </p:tnLst>
+  </p:timing>
 </p:sld>
 </file>
 
